--- a/graphics/AVIF Computer Graphics.pptx
+++ b/graphics/AVIF Computer Graphics.pptx
@@ -6,13 +6,16 @@
   </p:sldMasterIdLst>
   <p:sldIdLst>
     <p:sldId id="256" r:id="rId2"/>
-    <p:sldId id="257" r:id="rId3"/>
-    <p:sldId id="258" r:id="rId4"/>
-    <p:sldId id="259" r:id="rId5"/>
-    <p:sldId id="260" r:id="rId6"/>
-    <p:sldId id="261" r:id="rId7"/>
-    <p:sldId id="262" r:id="rId8"/>
-    <p:sldId id="263" r:id="rId9"/>
+    <p:sldId id="265" r:id="rId3"/>
+    <p:sldId id="257" r:id="rId4"/>
+    <p:sldId id="258" r:id="rId5"/>
+    <p:sldId id="259" r:id="rId6"/>
+    <p:sldId id="260" r:id="rId7"/>
+    <p:sldId id="261" r:id="rId8"/>
+    <p:sldId id="262" r:id="rId9"/>
+    <p:sldId id="266" r:id="rId10"/>
+    <p:sldId id="264" r:id="rId11"/>
+    <p:sldId id="263" r:id="rId12"/>
   </p:sldIdLst>
   <p:sldSz cx="12192000" cy="6858000"/>
   <p:notesSz cx="6858000" cy="9144000"/>
@@ -2694,7 +2697,7 @@
           <a:p>
             <a:fld id="{4B644887-F4AB-4580-B051-FF7B91C761A7}" type="datetimeFigureOut">
               <a:rPr lang="uk-UA" smtClean="0"/>
-              <a:t>09.12.2025</a:t>
+              <a:t>21.12.2025</a:t>
             </a:fld>
             <a:endParaRPr lang="uk-UA"/>
           </a:p>
@@ -2894,7 +2897,7 @@
           <a:p>
             <a:fld id="{4B644887-F4AB-4580-B051-FF7B91C761A7}" type="datetimeFigureOut">
               <a:rPr lang="uk-UA" smtClean="0"/>
-              <a:t>09.12.2025</a:t>
+              <a:t>21.12.2025</a:t>
             </a:fld>
             <a:endParaRPr lang="uk-UA"/>
           </a:p>
@@ -3104,7 +3107,7 @@
           <a:p>
             <a:fld id="{4B644887-F4AB-4580-B051-FF7B91C761A7}" type="datetimeFigureOut">
               <a:rPr lang="uk-UA" smtClean="0"/>
-              <a:t>09.12.2025</a:t>
+              <a:t>21.12.2025</a:t>
             </a:fld>
             <a:endParaRPr lang="uk-UA"/>
           </a:p>
@@ -3304,7 +3307,7 @@
           <a:p>
             <a:fld id="{4B644887-F4AB-4580-B051-FF7B91C761A7}" type="datetimeFigureOut">
               <a:rPr lang="uk-UA" smtClean="0"/>
-              <a:t>09.12.2025</a:t>
+              <a:t>21.12.2025</a:t>
             </a:fld>
             <a:endParaRPr lang="uk-UA"/>
           </a:p>
@@ -3580,7 +3583,7 @@
           <a:p>
             <a:fld id="{4B644887-F4AB-4580-B051-FF7B91C761A7}" type="datetimeFigureOut">
               <a:rPr lang="uk-UA" smtClean="0"/>
-              <a:t>09.12.2025</a:t>
+              <a:t>21.12.2025</a:t>
             </a:fld>
             <a:endParaRPr lang="uk-UA"/>
           </a:p>
@@ -3848,7 +3851,7 @@
           <a:p>
             <a:fld id="{4B644887-F4AB-4580-B051-FF7B91C761A7}" type="datetimeFigureOut">
               <a:rPr lang="uk-UA" smtClean="0"/>
-              <a:t>09.12.2025</a:t>
+              <a:t>21.12.2025</a:t>
             </a:fld>
             <a:endParaRPr lang="uk-UA"/>
           </a:p>
@@ -4263,7 +4266,7 @@
           <a:p>
             <a:fld id="{4B644887-F4AB-4580-B051-FF7B91C761A7}" type="datetimeFigureOut">
               <a:rPr lang="uk-UA" smtClean="0"/>
-              <a:t>09.12.2025</a:t>
+              <a:t>21.12.2025</a:t>
             </a:fld>
             <a:endParaRPr lang="uk-UA"/>
           </a:p>
@@ -4405,7 +4408,7 @@
           <a:p>
             <a:fld id="{4B644887-F4AB-4580-B051-FF7B91C761A7}" type="datetimeFigureOut">
               <a:rPr lang="uk-UA" smtClean="0"/>
-              <a:t>09.12.2025</a:t>
+              <a:t>21.12.2025</a:t>
             </a:fld>
             <a:endParaRPr lang="uk-UA"/>
           </a:p>
@@ -4518,7 +4521,7 @@
           <a:p>
             <a:fld id="{4B644887-F4AB-4580-B051-FF7B91C761A7}" type="datetimeFigureOut">
               <a:rPr lang="uk-UA" smtClean="0"/>
-              <a:t>09.12.2025</a:t>
+              <a:t>21.12.2025</a:t>
             </a:fld>
             <a:endParaRPr lang="uk-UA"/>
           </a:p>
@@ -4831,7 +4834,7 @@
           <a:p>
             <a:fld id="{4B644887-F4AB-4580-B051-FF7B91C761A7}" type="datetimeFigureOut">
               <a:rPr lang="uk-UA" smtClean="0"/>
-              <a:t>09.12.2025</a:t>
+              <a:t>21.12.2025</a:t>
             </a:fld>
             <a:endParaRPr lang="uk-UA"/>
           </a:p>
@@ -5120,7 +5123,7 @@
           <a:p>
             <a:fld id="{4B644887-F4AB-4580-B051-FF7B91C761A7}" type="datetimeFigureOut">
               <a:rPr lang="uk-UA" smtClean="0"/>
-              <a:t>09.12.2025</a:t>
+              <a:t>21.12.2025</a:t>
             </a:fld>
             <a:endParaRPr lang="uk-UA"/>
           </a:p>
@@ -5363,7 +5366,7 @@
           <a:p>
             <a:fld id="{4B644887-F4AB-4580-B051-FF7B91C761A7}" type="datetimeFigureOut">
               <a:rPr lang="uk-UA" smtClean="0"/>
-              <a:t>09.12.2025</a:t>
+              <a:t>21.12.2025</a:t>
             </a:fld>
             <a:endParaRPr lang="uk-UA"/>
           </a:p>
@@ -5929,6 +5932,492 @@
 </p:sld>
 </file>
 
+<file path=ppt/slides/slide10.xml><?xml version="1.0" encoding="utf-8"?>
+<p:sld xmlns:a="http://schemas.openxmlformats.org/drawingml/2006/main" xmlns:r="http://schemas.openxmlformats.org/officeDocument/2006/relationships" xmlns:p="http://schemas.openxmlformats.org/presentationml/2006/main">
+  <p:cSld>
+    <p:bg>
+      <p:bgPr>
+        <a:solidFill>
+          <a:srgbClr val="F0F0F2"/>
+        </a:solidFill>
+        <a:effectLst/>
+      </p:bgPr>
+    </p:bg>
+    <p:spTree>
+      <p:nvGrpSpPr>
+        <p:cNvPr id="1" name=""/>
+        <p:cNvGrpSpPr/>
+        <p:nvPr/>
+      </p:nvGrpSpPr>
+      <p:grpSpPr>
+        <a:xfrm>
+          <a:off x="0" y="0"/>
+          <a:ext cx="0" cy="0"/>
+          <a:chOff x="0" y="0"/>
+          <a:chExt cx="0" cy="0"/>
+        </a:xfrm>
+      </p:grpSpPr>
+      <p:sp>
+        <p:nvSpPr>
+          <p:cNvPr id="5" name="Title 1">
+            <a:extLst>
+              <a:ext uri="{FF2B5EF4-FFF2-40B4-BE49-F238E27FC236}">
+                <a16:creationId xmlns:a16="http://schemas.microsoft.com/office/drawing/2014/main" id="{37AE4C8D-752C-408C-BE77-6ABBC7525BA0}"/>
+              </a:ext>
+            </a:extLst>
+          </p:cNvPr>
+          <p:cNvSpPr txBox="1">
+            <a:spLocks/>
+          </p:cNvSpPr>
+          <p:nvPr/>
+        </p:nvSpPr>
+        <p:spPr>
+          <a:xfrm>
+            <a:off x="599527" y="57771"/>
+            <a:ext cx="9535073" cy="1325563"/>
+          </a:xfrm>
+          <a:prstGeom prst="rect">
+            <a:avLst/>
+          </a:prstGeom>
+        </p:spPr>
+        <p:txBody>
+          <a:bodyPr vert="horz" lIns="91440" tIns="45720" rIns="91440" bIns="45720" rtlCol="0" anchor="ctr">
+            <a:normAutofit fontScale="92500"/>
+          </a:bodyPr>
+          <a:lstStyle>
+            <a:lvl1pPr algn="l" defTabSz="914400" rtl="0" eaLnBrk="1" latinLnBrk="0" hangingPunct="1">
+              <a:lnSpc>
+                <a:spcPct val="90000"/>
+              </a:lnSpc>
+              <a:spcBef>
+                <a:spcPct val="0"/>
+              </a:spcBef>
+              <a:buNone/>
+              <a:defRPr sz="4400" kern="1200">
+                <a:solidFill>
+                  <a:schemeClr val="tx1"/>
+                </a:solidFill>
+                <a:latin typeface="+mj-lt"/>
+                <a:ea typeface="+mj-ea"/>
+                <a:cs typeface="+mj-cs"/>
+              </a:defRPr>
+            </a:lvl1pPr>
+          </a:lstStyle>
+          <a:p>
+            <a:r>
+              <a:rPr lang="uk-UA" sz="5400" dirty="0">
+                <a:solidFill>
+                  <a:srgbClr val="4C7BA7"/>
+                </a:solidFill>
+              </a:rPr>
+              <a:t>Використані матеріали та джерела</a:t>
+            </a:r>
+          </a:p>
+        </p:txBody>
+      </p:sp>
+      <p:sp>
+        <p:nvSpPr>
+          <p:cNvPr id="11" name="TextBox 10">
+            <a:extLst>
+              <a:ext uri="{FF2B5EF4-FFF2-40B4-BE49-F238E27FC236}">
+                <a16:creationId xmlns:a16="http://schemas.microsoft.com/office/drawing/2014/main" id="{93C887FD-390C-4404-9E76-E04CEF665538}"/>
+              </a:ext>
+            </a:extLst>
+          </p:cNvPr>
+          <p:cNvSpPr txBox="1"/>
+          <p:nvPr/>
+        </p:nvSpPr>
+        <p:spPr>
+          <a:xfrm>
+            <a:off x="513532" y="1722806"/>
+            <a:ext cx="10636249" cy="3970318"/>
+          </a:xfrm>
+          <a:prstGeom prst="rect">
+            <a:avLst/>
+          </a:prstGeom>
+          <a:noFill/>
+        </p:spPr>
+        <p:txBody>
+          <a:bodyPr wrap="square">
+            <a:spAutoFit/>
+          </a:bodyPr>
+          <a:lstStyle/>
+          <a:p>
+            <a:r>
+              <a:rPr lang="uk-UA" dirty="0"/>
+              <a:t>Інформацію було взято з</a:t>
+            </a:r>
+            <a:r>
+              <a:rPr lang="en-US" dirty="0"/>
+              <a:t>:</a:t>
+            </a:r>
+          </a:p>
+          <a:p>
+            <a:pPr marL="285750" indent="-285750">
+              <a:buFont typeface="Arial" panose="020B0604020202020204" pitchFamily="34" charset="0"/>
+              <a:buChar char="•"/>
+            </a:pPr>
+            <a:r>
+              <a:rPr lang="en-US" dirty="0">
+                <a:hlinkClick r:id="rId2"/>
+              </a:rPr>
+              <a:t>https://en.wikipedia.org/wiki/AVIF</a:t>
+            </a:r>
+            <a:endParaRPr lang="en-US" dirty="0"/>
+          </a:p>
+          <a:p>
+            <a:pPr marL="285750" indent="-285750">
+              <a:buFont typeface="Arial" panose="020B0604020202020204" pitchFamily="34" charset="0"/>
+              <a:buChar char="•"/>
+            </a:pPr>
+            <a:r>
+              <a:rPr lang="uk-UA" dirty="0"/>
+              <a:t>З блогу </a:t>
+            </a:r>
+            <a:r>
+              <a:rPr lang="en-US" dirty="0"/>
+              <a:t>Jake Archibald: </a:t>
+            </a:r>
+            <a:r>
+              <a:rPr lang="en-US" dirty="0">
+                <a:hlinkClick r:id="rId3"/>
+              </a:rPr>
+              <a:t>https://jakearchibald.com/2020/avif-has-landed/</a:t>
+            </a:r>
+            <a:endParaRPr lang="uk-UA" dirty="0"/>
+          </a:p>
+          <a:p>
+            <a:pPr marL="285750" indent="-285750">
+              <a:buFont typeface="Arial" panose="020B0604020202020204" pitchFamily="34" charset="0"/>
+              <a:buChar char="•"/>
+            </a:pPr>
+            <a:r>
+              <a:rPr lang="uk-UA" dirty="0"/>
+              <a:t>З блогу </a:t>
+            </a:r>
+            <a:r>
+              <a:rPr lang="en-US" dirty="0"/>
+              <a:t>Tim </a:t>
+            </a:r>
+            <a:r>
+              <a:rPr lang="en-US" dirty="0" err="1"/>
+              <a:t>Severien</a:t>
+            </a:r>
+            <a:r>
+              <a:rPr lang="en-US" dirty="0"/>
+              <a:t>: </a:t>
+            </a:r>
+            <a:r>
+              <a:rPr lang="en-US" dirty="0">
+                <a:hlinkClick r:id="rId4"/>
+              </a:rPr>
+              <a:t>https://tsev.dev/posts/2023-11-10-should-avif-be-the-dominant-image-format/</a:t>
+            </a:r>
+            <a:endParaRPr lang="en-US" dirty="0"/>
+          </a:p>
+          <a:p>
+            <a:pPr marL="285750" indent="-285750">
+              <a:buFont typeface="Arial" panose="020B0604020202020204" pitchFamily="34" charset="0"/>
+              <a:buChar char="•"/>
+            </a:pPr>
+            <a:r>
+              <a:rPr lang="uk-UA" sz="1800" dirty="0"/>
+              <a:t>Стаття від </a:t>
+            </a:r>
+            <a:r>
+              <a:rPr lang="en-US" dirty="0"/>
+              <a:t>Trust </a:t>
+            </a:r>
+            <a:r>
+              <a:rPr lang="en-US" dirty="0" err="1"/>
+              <a:t>Jamin</a:t>
+            </a:r>
+            <a:r>
+              <a:rPr lang="en-US" dirty="0"/>
+              <a:t> </a:t>
+            </a:r>
+            <a:r>
+              <a:rPr lang="en-US" dirty="0" err="1"/>
+              <a:t>Okpukoro</a:t>
+            </a:r>
+            <a:r>
+              <a:rPr lang="en-US" dirty="0"/>
+              <a:t>:</a:t>
+            </a:r>
+            <a:r>
+              <a:rPr lang="en-US" b="1" dirty="0"/>
+              <a:t> </a:t>
+            </a:r>
+            <a:r>
+              <a:rPr lang="en-US" sz="1800" dirty="0">
+                <a:hlinkClick r:id="rId5"/>
+              </a:rPr>
+              <a:t>https://uploadcare.com/blog/avif-image-format/</a:t>
+            </a:r>
+            <a:endParaRPr lang="en-US" sz="1800" dirty="0"/>
+          </a:p>
+          <a:p>
+            <a:endParaRPr lang="en-US" dirty="0"/>
+          </a:p>
+          <a:p>
+            <a:r>
+              <a:rPr lang="uk-UA" dirty="0"/>
+              <a:t>Використані зображення для порівняння:</a:t>
+            </a:r>
+          </a:p>
+          <a:p>
+            <a:pPr marL="285750" indent="-285750">
+              <a:buFont typeface="Arial" panose="020B0604020202020204" pitchFamily="34" charset="0"/>
+              <a:buChar char="•"/>
+            </a:pPr>
+            <a:r>
+              <a:rPr lang="en-US" sz="1800" dirty="0">
+                <a:hlinkClick r:id="rId6"/>
+              </a:rPr>
+              <a:t>https://wallpapersafari.com/w/U6PCaJ</a:t>
+            </a:r>
+            <a:endParaRPr lang="uk-UA" sz="1800" dirty="0"/>
+          </a:p>
+          <a:p>
+            <a:pPr marL="285750" indent="-285750">
+              <a:buFont typeface="Arial" panose="020B0604020202020204" pitchFamily="34" charset="0"/>
+              <a:buChar char="•"/>
+            </a:pPr>
+            <a:r>
+              <a:rPr lang="en-US" sz="1800" dirty="0">
+                <a:hlinkClick r:id="rId7"/>
+              </a:rPr>
+              <a:t>https://topdogfilmfestival.com.au/the-science-behind-why-dogs-are-so-cute/</a:t>
+            </a:r>
+            <a:endParaRPr lang="en-US" sz="1800" dirty="0"/>
+          </a:p>
+          <a:p>
+            <a:endParaRPr lang="en-US" dirty="0"/>
+          </a:p>
+          <a:p>
+            <a:r>
+              <a:rPr lang="uk-UA" dirty="0"/>
+              <a:t>Використана програма для переведення файлів в різні формати:</a:t>
+            </a:r>
+            <a:r>
+              <a:rPr lang="en-US" dirty="0"/>
+              <a:t> </a:t>
+            </a:r>
+            <a:r>
+              <a:rPr lang="uk-UA" dirty="0">
+                <a:hlinkClick r:id="rId8"/>
+              </a:rPr>
+              <a:t>https://squoosh.app</a:t>
+            </a:r>
+            <a:endParaRPr lang="uk-UA" dirty="0"/>
+          </a:p>
+          <a:p>
+            <a:r>
+              <a:rPr lang="uk-UA" dirty="0"/>
+              <a:t>Використано сервіс </a:t>
+            </a:r>
+            <a:r>
+              <a:rPr lang="en-US" dirty="0" err="1"/>
+              <a:t>CanIUse</a:t>
+            </a:r>
+            <a:r>
+              <a:rPr lang="uk-UA" dirty="0"/>
+              <a:t> для перегляду підтримки формату в різних браузерах: </a:t>
+            </a:r>
+            <a:r>
+              <a:rPr lang="en-US" sz="1800" dirty="0">
+                <a:hlinkClick r:id="rId9"/>
+              </a:rPr>
+              <a:t>https://caniuse.com/avif</a:t>
+            </a:r>
+            <a:endParaRPr lang="uk-UA" sz="1800" dirty="0"/>
+          </a:p>
+          <a:p>
+            <a:r>
+              <a:rPr lang="uk-UA" dirty="0"/>
+              <a:t>Використано сервіс </a:t>
+            </a:r>
+            <a:r>
+              <a:rPr lang="en-US" dirty="0" err="1"/>
+              <a:t>Carnon</a:t>
+            </a:r>
+            <a:r>
+              <a:rPr lang="uk-UA" dirty="0"/>
+              <a:t> для переведення коду в картинку: </a:t>
+            </a:r>
+            <a:r>
+              <a:rPr lang="en-US" dirty="0">
+                <a:hlinkClick r:id="rId10"/>
+              </a:rPr>
+              <a:t>https://carbon.now.sh/</a:t>
+            </a:r>
+            <a:endParaRPr lang="en-US" dirty="0"/>
+          </a:p>
+          <a:p>
+            <a:r>
+              <a:rPr lang="uk-UA" dirty="0"/>
+              <a:t>Кольорова схема</a:t>
+            </a:r>
+            <a:r>
+              <a:rPr lang="en-US" dirty="0"/>
+              <a:t>: </a:t>
+            </a:r>
+            <a:r>
+              <a:rPr lang="en-US" dirty="0">
+                <a:hlinkClick r:id="rId11"/>
+              </a:rPr>
+              <a:t>https://color.adobe.com</a:t>
+            </a:r>
+            <a:endParaRPr lang="en-US" dirty="0"/>
+          </a:p>
+        </p:txBody>
+      </p:sp>
+      <p:sp>
+        <p:nvSpPr>
+          <p:cNvPr id="12" name="TextBox 11">
+            <a:extLst>
+              <a:ext uri="{FF2B5EF4-FFF2-40B4-BE49-F238E27FC236}">
+                <a16:creationId xmlns:a16="http://schemas.microsoft.com/office/drawing/2014/main" id="{EDFDD11D-B63D-49E6-8AC0-ECD505A1F48C}"/>
+              </a:ext>
+            </a:extLst>
+          </p:cNvPr>
+          <p:cNvSpPr txBox="1"/>
+          <p:nvPr/>
+        </p:nvSpPr>
+        <p:spPr>
+          <a:xfrm>
+            <a:off x="11149781" y="6341806"/>
+            <a:ext cx="594021" cy="369332"/>
+          </a:xfrm>
+          <a:prstGeom prst="rect">
+            <a:avLst/>
+          </a:prstGeom>
+          <a:noFill/>
+        </p:spPr>
+        <p:txBody>
+          <a:bodyPr wrap="square" rtlCol="0">
+            <a:spAutoFit/>
+          </a:bodyPr>
+          <a:lstStyle/>
+          <a:p>
+            <a:fld id="{5BBD6B9B-B0DF-4DAF-8DCF-9B69419DEA99}" type="slidenum">
+              <a:rPr lang="uk-UA" smtClean="0"/>
+              <a:t>10</a:t>
+            </a:fld>
+            <a:endParaRPr lang="uk-UA" dirty="0"/>
+          </a:p>
+        </p:txBody>
+      </p:sp>
+    </p:spTree>
+    <p:extLst>
+      <p:ext uri="{BB962C8B-B14F-4D97-AF65-F5344CB8AC3E}">
+        <p14:creationId xmlns:p14="http://schemas.microsoft.com/office/powerpoint/2010/main" val="4051103425"/>
+      </p:ext>
+    </p:extLst>
+  </p:cSld>
+  <p:clrMapOvr>
+    <a:masterClrMapping/>
+  </p:clrMapOvr>
+</p:sld>
+</file>
+
+<file path=ppt/slides/slide11.xml><?xml version="1.0" encoding="utf-8"?>
+<p:sld xmlns:a="http://schemas.openxmlformats.org/drawingml/2006/main" xmlns:r="http://schemas.openxmlformats.org/officeDocument/2006/relationships" xmlns:p="http://schemas.openxmlformats.org/presentationml/2006/main">
+  <p:cSld>
+    <p:bg>
+      <p:bgPr>
+        <a:solidFill>
+          <a:srgbClr val="F0F0F2"/>
+        </a:solidFill>
+        <a:effectLst/>
+      </p:bgPr>
+    </p:bg>
+    <p:spTree>
+      <p:nvGrpSpPr>
+        <p:cNvPr id="1" name=""/>
+        <p:cNvGrpSpPr/>
+        <p:nvPr/>
+      </p:nvGrpSpPr>
+      <p:grpSpPr>
+        <a:xfrm>
+          <a:off x="0" y="0"/>
+          <a:ext cx="0" cy="0"/>
+          <a:chOff x="0" y="0"/>
+          <a:chExt cx="0" cy="0"/>
+        </a:xfrm>
+      </p:grpSpPr>
+      <p:sp>
+        <p:nvSpPr>
+          <p:cNvPr id="4" name="Title 1">
+            <a:extLst>
+              <a:ext uri="{FF2B5EF4-FFF2-40B4-BE49-F238E27FC236}">
+                <a16:creationId xmlns:a16="http://schemas.microsoft.com/office/drawing/2014/main" id="{E85215B4-7E8E-4A68-8A7F-3177AB4C6340}"/>
+              </a:ext>
+            </a:extLst>
+          </p:cNvPr>
+          <p:cNvSpPr txBox="1">
+            <a:spLocks/>
+          </p:cNvSpPr>
+          <p:nvPr/>
+        </p:nvSpPr>
+        <p:spPr>
+          <a:xfrm>
+            <a:off x="1" y="0"/>
+            <a:ext cx="12192000" cy="6419850"/>
+          </a:xfrm>
+          <a:prstGeom prst="rect">
+            <a:avLst/>
+          </a:prstGeom>
+        </p:spPr>
+        <p:txBody>
+          <a:bodyPr vert="horz" lIns="91440" tIns="45720" rIns="91440" bIns="45720" rtlCol="0" anchor="ctr">
+            <a:normAutofit/>
+          </a:bodyPr>
+          <a:lstStyle>
+            <a:lvl1pPr algn="l" defTabSz="914400" rtl="0" eaLnBrk="1" latinLnBrk="0" hangingPunct="1">
+              <a:lnSpc>
+                <a:spcPct val="90000"/>
+              </a:lnSpc>
+              <a:spcBef>
+                <a:spcPct val="0"/>
+              </a:spcBef>
+              <a:buNone/>
+              <a:defRPr sz="4400" kern="1200">
+                <a:solidFill>
+                  <a:schemeClr val="tx1"/>
+                </a:solidFill>
+                <a:latin typeface="+mj-lt"/>
+                <a:ea typeface="+mj-ea"/>
+                <a:cs typeface="+mj-cs"/>
+              </a:defRPr>
+            </a:lvl1pPr>
+          </a:lstStyle>
+          <a:p>
+            <a:pPr algn="ctr"/>
+            <a:r>
+              <a:rPr lang="uk-UA" sz="6600" dirty="0">
+                <a:solidFill>
+                  <a:srgbClr val="4C7BA7"/>
+                </a:solidFill>
+              </a:rPr>
+              <a:t>Дякую за увагу</a:t>
+            </a:r>
+          </a:p>
+        </p:txBody>
+      </p:sp>
+    </p:spTree>
+    <p:extLst>
+      <p:ext uri="{BB962C8B-B14F-4D97-AF65-F5344CB8AC3E}">
+        <p14:creationId xmlns:p14="http://schemas.microsoft.com/office/powerpoint/2010/main" val="1534778757"/>
+      </p:ext>
+    </p:extLst>
+  </p:cSld>
+  <p:clrMapOvr>
+    <a:masterClrMapping/>
+  </p:clrMapOvr>
+</p:sld>
+</file>
+
 <file path=ppt/slides/slide2.xml><?xml version="1.0" encoding="utf-8"?>
 <p:sld xmlns:a="http://schemas.openxmlformats.org/drawingml/2006/main" xmlns:r="http://schemas.openxmlformats.org/officeDocument/2006/relationships" xmlns:p="http://schemas.openxmlformats.org/presentationml/2006/main">
   <p:cSld>
@@ -5956,31 +6445,50 @@
       </p:grpSpPr>
       <p:sp>
         <p:nvSpPr>
-          <p:cNvPr id="2" name="Title 1">
-            <a:extLst>
-              <a:ext uri="{FF2B5EF4-FFF2-40B4-BE49-F238E27FC236}">
-                <a16:creationId xmlns:a16="http://schemas.microsoft.com/office/drawing/2014/main" id="{43D66495-943A-4890-90A0-B6FB38A6209E}"/>
-              </a:ext>
-            </a:extLst>
-          </p:cNvPr>
-          <p:cNvSpPr>
-            <a:spLocks noGrp="1"/>
+          <p:cNvPr id="4" name="Title 1">
+            <a:extLst>
+              <a:ext uri="{FF2B5EF4-FFF2-40B4-BE49-F238E27FC236}">
+                <a16:creationId xmlns:a16="http://schemas.microsoft.com/office/drawing/2014/main" id="{A08169FB-BFC3-4F6D-B5FE-5489645F2260}"/>
+              </a:ext>
+            </a:extLst>
+          </p:cNvPr>
+          <p:cNvSpPr txBox="1">
+            <a:spLocks/>
           </p:cNvSpPr>
-          <p:nvPr>
-            <p:ph type="title"/>
-          </p:nvPr>
+          <p:nvPr/>
         </p:nvSpPr>
         <p:spPr>
           <a:xfrm>
             <a:off x="553720" y="385445"/>
             <a:ext cx="10515600" cy="1325563"/>
           </a:xfrm>
+          <a:prstGeom prst="rect">
+            <a:avLst/>
+          </a:prstGeom>
         </p:spPr>
         <p:txBody>
-          <a:bodyPr>
+          <a:bodyPr vert="horz" lIns="91440" tIns="45720" rIns="91440" bIns="45720" rtlCol="0" anchor="ctr">
             <a:normAutofit/>
           </a:bodyPr>
-          <a:lstStyle/>
+          <a:lstStyle>
+            <a:lvl1pPr algn="l" defTabSz="914400" rtl="0" eaLnBrk="1" latinLnBrk="0" hangingPunct="1">
+              <a:lnSpc>
+                <a:spcPct val="90000"/>
+              </a:lnSpc>
+              <a:spcBef>
+                <a:spcPct val="0"/>
+              </a:spcBef>
+              <a:buNone/>
+              <a:defRPr sz="4400" kern="1200">
+                <a:solidFill>
+                  <a:schemeClr val="tx1"/>
+                </a:solidFill>
+                <a:latin typeface="+mj-lt"/>
+                <a:ea typeface="+mj-ea"/>
+                <a:cs typeface="+mj-cs"/>
+              </a:defRPr>
+            </a:lvl1pPr>
+          </a:lstStyle>
           <a:p>
             <a:r>
               <a:rPr lang="uk-UA" sz="5400" dirty="0">
@@ -5988,99 +6496,27 @@
                   <a:srgbClr val="4C7BA7"/>
                 </a:solidFill>
               </a:rPr>
-              <a:t>Що воно таке?</a:t>
-            </a:r>
-          </a:p>
-        </p:txBody>
-      </p:sp>
-      <p:pic>
-        <p:nvPicPr>
-          <p:cNvPr id="7" name="Picture 6">
-            <a:extLst>
-              <a:ext uri="{FF2B5EF4-FFF2-40B4-BE49-F238E27FC236}">
-                <a16:creationId xmlns:a16="http://schemas.microsoft.com/office/drawing/2014/main" id="{4DF1B183-C757-48D8-AA19-B9666B772EB6}"/>
-              </a:ext>
-            </a:extLst>
-          </p:cNvPr>
-          <p:cNvPicPr>
-            <a:picLocks noChangeAspect="1"/>
-          </p:cNvPicPr>
+              <a:t>Зміст презентації</a:t>
+            </a:r>
+          </a:p>
+        </p:txBody>
+      </p:sp>
+      <p:sp>
+        <p:nvSpPr>
+          <p:cNvPr id="12" name="TextBox 11">
+            <a:extLst>
+              <a:ext uri="{FF2B5EF4-FFF2-40B4-BE49-F238E27FC236}">
+                <a16:creationId xmlns:a16="http://schemas.microsoft.com/office/drawing/2014/main" id="{6ED6113F-1016-4813-BEC3-076CAC95CB8D}"/>
+              </a:ext>
+            </a:extLst>
+          </p:cNvPr>
+          <p:cNvSpPr txBox="1"/>
           <p:nvPr/>
-        </p:nvPicPr>
-        <p:blipFill>
-          <a:blip r:embed="rId2">
-            <a:extLst>
-              <a:ext uri="{28A0092B-C50C-407E-A947-70E740481C1C}">
-                <a14:useLocalDpi xmlns:a14="http://schemas.microsoft.com/office/drawing/2010/main" val="0"/>
-              </a:ext>
-            </a:extLst>
-          </a:blip>
-          <a:stretch>
-            <a:fillRect/>
-          </a:stretch>
-        </p:blipFill>
+        </p:nvSpPr>
         <p:spPr>
           <a:xfrm>
-            <a:off x="8600552" y="2915194"/>
-            <a:ext cx="3143250" cy="2352675"/>
-          </a:xfrm>
-          <a:prstGeom prst="rect">
-            <a:avLst/>
-          </a:prstGeom>
-        </p:spPr>
-      </p:pic>
-      <p:pic>
-        <p:nvPicPr>
-          <p:cNvPr id="9" name="Picture 8">
-            <a:extLst>
-              <a:ext uri="{FF2B5EF4-FFF2-40B4-BE49-F238E27FC236}">
-                <a16:creationId xmlns:a16="http://schemas.microsoft.com/office/drawing/2014/main" id="{3D0C38EC-7311-48E4-AB4B-D3FB34A1C8D7}"/>
-              </a:ext>
-            </a:extLst>
-          </p:cNvPr>
-          <p:cNvPicPr>
-            <a:picLocks noChangeAspect="1"/>
-          </p:cNvPicPr>
-          <p:nvPr/>
-        </p:nvPicPr>
-        <p:blipFill>
-          <a:blip r:embed="rId3">
-            <a:extLst>
-              <a:ext uri="{28A0092B-C50C-407E-A947-70E740481C1C}">
-                <a14:useLocalDpi xmlns:a14="http://schemas.microsoft.com/office/drawing/2010/main" val="0"/>
-              </a:ext>
-            </a:extLst>
-          </a:blip>
-          <a:stretch>
-            <a:fillRect/>
-          </a:stretch>
-        </p:blipFill>
-        <p:spPr>
-          <a:xfrm>
-            <a:off x="553720" y="3215231"/>
-            <a:ext cx="3143250" cy="1752600"/>
-          </a:xfrm>
-          <a:prstGeom prst="rect">
-            <a:avLst/>
-          </a:prstGeom>
-        </p:spPr>
-      </p:pic>
-      <p:sp>
-        <p:nvSpPr>
-          <p:cNvPr id="11" name="TextBox 10">
-            <a:extLst>
-              <a:ext uri="{FF2B5EF4-FFF2-40B4-BE49-F238E27FC236}">
-                <a16:creationId xmlns:a16="http://schemas.microsoft.com/office/drawing/2014/main" id="{53BF3557-CEC5-40CD-96EF-3BE3491CC364}"/>
-              </a:ext>
-            </a:extLst>
-          </p:cNvPr>
-          <p:cNvSpPr txBox="1"/>
-          <p:nvPr/>
-        </p:nvSpPr>
-        <p:spPr>
-          <a:xfrm>
-            <a:off x="4767578" y="3399035"/>
-            <a:ext cx="3143250" cy="1384995"/>
+            <a:off x="11149781" y="6341806"/>
+            <a:ext cx="594021" cy="369332"/>
           </a:xfrm>
           <a:prstGeom prst="rect">
             <a:avLst/>
@@ -6088,43 +6524,25 @@
           <a:noFill/>
         </p:spPr>
         <p:txBody>
-          <a:bodyPr wrap="square">
+          <a:bodyPr wrap="square" rtlCol="0">
             <a:spAutoFit/>
           </a:bodyPr>
           <a:lstStyle/>
           <a:p>
-            <a:r>
-              <a:rPr lang="en-US" sz="2800" b="1" dirty="0">
-                <a:solidFill>
-                  <a:srgbClr val="4C7BA7"/>
-                </a:solidFill>
-              </a:rPr>
-              <a:t>HEIF</a:t>
-            </a:r>
-          </a:p>
-          <a:p>
-            <a:r>
-              <a:rPr lang="en-US" sz="2800" b="1" dirty="0">
-                <a:solidFill>
-                  <a:srgbClr val="4C7BA7"/>
-                </a:solidFill>
-              </a:rPr>
-              <a:t>High Efficiency Image File Format</a:t>
-            </a:r>
-            <a:endParaRPr lang="uk-UA" sz="2800" dirty="0">
-              <a:solidFill>
-                <a:srgbClr val="4C7BA7"/>
-              </a:solidFill>
-            </a:endParaRPr>
-          </a:p>
-        </p:txBody>
-      </p:sp>
-      <p:sp>
-        <p:nvSpPr>
-          <p:cNvPr id="19" name="TextBox 18">
-            <a:extLst>
-              <a:ext uri="{FF2B5EF4-FFF2-40B4-BE49-F238E27FC236}">
-                <a16:creationId xmlns:a16="http://schemas.microsoft.com/office/drawing/2014/main" id="{493B1696-63EA-457E-8226-96C0760012E1}"/>
+            <a:fld id="{5BBD6B9B-B0DF-4DAF-8DCF-9B69419DEA99}" type="slidenum">
+              <a:rPr lang="uk-UA" smtClean="0"/>
+              <a:t>2</a:t>
+            </a:fld>
+            <a:endParaRPr lang="uk-UA" dirty="0"/>
+          </a:p>
+        </p:txBody>
+      </p:sp>
+      <p:sp>
+        <p:nvSpPr>
+          <p:cNvPr id="5" name="TextBox 4">
+            <a:extLst>
+              <a:ext uri="{FF2B5EF4-FFF2-40B4-BE49-F238E27FC236}">
+                <a16:creationId xmlns:a16="http://schemas.microsoft.com/office/drawing/2014/main" id="{7CD1DB7C-2F46-4EE3-A11D-9C56C9DE5630}"/>
               </a:ext>
             </a:extLst>
           </p:cNvPr>
@@ -6133,8 +6551,8 @@
         </p:nvSpPr>
         <p:spPr>
           <a:xfrm>
-            <a:off x="3985256" y="3690791"/>
-            <a:ext cx="321948" cy="707886"/>
+            <a:off x="983575" y="1959632"/>
+            <a:ext cx="7417856" cy="3359061"/>
           </a:xfrm>
           <a:prstGeom prst="rect">
             <a:avLst/>
@@ -6147,278 +6565,183 @@
           </a:bodyPr>
           <a:lstStyle/>
           <a:p>
-            <a:r>
-              <a:rPr lang="uk-UA" sz="4000" dirty="0">
-                <a:solidFill>
-                  <a:srgbClr val="649CBF"/>
-                </a:solidFill>
-              </a:rPr>
-              <a:t>в</a:t>
-            </a:r>
-          </a:p>
-        </p:txBody>
-      </p:sp>
-      <p:sp>
-        <p:nvSpPr>
-          <p:cNvPr id="20" name="TextBox 19">
-            <a:extLst>
-              <a:ext uri="{FF2B5EF4-FFF2-40B4-BE49-F238E27FC236}">
-                <a16:creationId xmlns:a16="http://schemas.microsoft.com/office/drawing/2014/main" id="{17BDA721-74B8-4EC1-A9FD-107A1B99AE89}"/>
-              </a:ext>
-            </a:extLst>
-          </p:cNvPr>
-          <p:cNvSpPr txBox="1"/>
-          <p:nvPr/>
-        </p:nvSpPr>
-        <p:spPr>
-          <a:xfrm>
-            <a:off x="7788355" y="3690791"/>
-            <a:ext cx="321948" cy="707886"/>
-          </a:xfrm>
-          <a:prstGeom prst="rect">
-            <a:avLst/>
-          </a:prstGeom>
-          <a:noFill/>
-        </p:spPr>
-        <p:txBody>
-          <a:bodyPr wrap="square" rtlCol="0">
-            <a:spAutoFit/>
-          </a:bodyPr>
-          <a:lstStyle/>
-          <a:p>
-            <a:r>
-              <a:rPr lang="en-US" sz="4000" dirty="0">
-                <a:solidFill>
-                  <a:srgbClr val="649CBF"/>
-                </a:solidFill>
-              </a:rPr>
-              <a:t>=</a:t>
-            </a:r>
-            <a:endParaRPr lang="uk-UA" sz="4000" dirty="0">
-              <a:solidFill>
+            <a:pPr marL="342900" indent="-342900">
+              <a:lnSpc>
+                <a:spcPct val="150000"/>
+              </a:lnSpc>
+              <a:buClr>
                 <a:srgbClr val="649CBF"/>
-              </a:solidFill>
-            </a:endParaRPr>
-          </a:p>
-        </p:txBody>
-      </p:sp>
-      <p:sp>
-        <p:nvSpPr>
-          <p:cNvPr id="21" name="TextBox 20">
-            <a:extLst>
-              <a:ext uri="{FF2B5EF4-FFF2-40B4-BE49-F238E27FC236}">
-                <a16:creationId xmlns:a16="http://schemas.microsoft.com/office/drawing/2014/main" id="{01A84C2A-94E9-4896-A7E4-4FD6553FA2DB}"/>
-              </a:ext>
-            </a:extLst>
-          </p:cNvPr>
-          <p:cNvSpPr txBox="1"/>
-          <p:nvPr/>
-        </p:nvSpPr>
-        <p:spPr>
-          <a:xfrm>
-            <a:off x="553719" y="1470993"/>
-            <a:ext cx="5257145" cy="923330"/>
-          </a:xfrm>
-          <a:prstGeom prst="rect">
-            <a:avLst/>
-          </a:prstGeom>
-          <a:noFill/>
-        </p:spPr>
-        <p:txBody>
-          <a:bodyPr wrap="square" rtlCol="0">
-            <a:spAutoFit/>
-          </a:bodyPr>
-          <a:lstStyle/>
-          <a:p>
-            <a:r>
-              <a:rPr lang="uk-UA" dirty="0">
-                <a:solidFill>
-                  <a:srgbClr val="4C7BA7"/>
-                </a:solidFill>
-              </a:rPr>
-              <a:t>Початковий реліз</a:t>
-            </a:r>
-            <a:r>
-              <a:rPr lang="en-US" dirty="0">
-                <a:solidFill>
-                  <a:srgbClr val="4C7BA7"/>
-                </a:solidFill>
-              </a:rPr>
-              <a:t>: </a:t>
-            </a:r>
-            <a:r>
-              <a:rPr lang="en-US" b="1" dirty="0">
-                <a:solidFill>
-                  <a:srgbClr val="649CBF"/>
-                </a:solidFill>
-              </a:rPr>
-              <a:t>28 </a:t>
-            </a:r>
-            <a:r>
-              <a:rPr lang="uk-UA" b="1" dirty="0">
-                <a:solidFill>
-                  <a:srgbClr val="649CBF"/>
-                </a:solidFill>
-              </a:rPr>
-              <a:t>Березня </a:t>
-            </a:r>
-            <a:r>
-              <a:rPr lang="en-US" b="1" dirty="0">
-                <a:solidFill>
-                  <a:srgbClr val="649CBF"/>
-                </a:solidFill>
-              </a:rPr>
-              <a:t>2018 (7</a:t>
-            </a:r>
-            <a:r>
-              <a:rPr lang="uk-UA" b="1" dirty="0">
-                <a:solidFill>
-                  <a:srgbClr val="649CBF"/>
-                </a:solidFill>
-              </a:rPr>
-              <a:t> років тому</a:t>
-            </a:r>
-            <a:r>
-              <a:rPr lang="en-US" b="1" dirty="0">
-                <a:solidFill>
-                  <a:srgbClr val="649CBF"/>
-                </a:solidFill>
-              </a:rPr>
-              <a:t>)</a:t>
-            </a:r>
-          </a:p>
-          <a:p>
-            <a:r>
-              <a:rPr lang="uk-UA" dirty="0">
-                <a:solidFill>
-                  <a:srgbClr val="4C7BA7"/>
-                </a:solidFill>
-              </a:rPr>
-              <a:t>Останній</a:t>
-            </a:r>
-            <a:r>
-              <a:rPr lang="en-US" dirty="0">
-                <a:solidFill>
-                  <a:srgbClr val="4C7BA7"/>
-                </a:solidFill>
-              </a:rPr>
+              </a:buClr>
+              <a:buFont typeface="Wingdings" panose="05000000000000000000" pitchFamily="2" charset="2"/>
+              <a:buChar char="§"/>
+            </a:pPr>
+            <a:r>
+              <a:rPr lang="uk-UA" sz="2400" dirty="0"/>
+              <a:t>Технології в основі </a:t>
+            </a:r>
+            <a:r>
+              <a:rPr lang="en-US" sz="2400" dirty="0"/>
+              <a:t>AVIF</a:t>
+            </a:r>
+            <a:endParaRPr lang="uk-UA" sz="2400" dirty="0"/>
+          </a:p>
+          <a:p>
+            <a:pPr marL="342900" indent="-342900">
+              <a:lnSpc>
+                <a:spcPct val="150000"/>
+              </a:lnSpc>
+              <a:buClr>
+                <a:srgbClr val="649CBF"/>
+              </a:buClr>
+              <a:buFont typeface="Wingdings" panose="05000000000000000000" pitchFamily="2" charset="2"/>
+              <a:buChar char="§"/>
+            </a:pPr>
+            <a:r>
+              <a:rPr lang="uk-UA" sz="2400" dirty="0"/>
+              <a:t>Порівняння</a:t>
+            </a:r>
+            <a:r>
+              <a:rPr lang="en-US" sz="2400" dirty="0"/>
               <a:t> </a:t>
             </a:r>
             <a:r>
-              <a:rPr lang="uk-UA" dirty="0">
-                <a:solidFill>
-                  <a:srgbClr val="4C7BA7"/>
-                </a:solidFill>
-              </a:rPr>
-              <a:t>реліз</a:t>
-            </a:r>
-            <a:r>
-              <a:rPr lang="en-US" dirty="0">
-                <a:solidFill>
-                  <a:srgbClr val="4C7BA7"/>
-                </a:solidFill>
-              </a:rPr>
-              <a:t>: </a:t>
-            </a:r>
-            <a:r>
-              <a:rPr lang="en-US" b="1" dirty="0">
-                <a:solidFill>
-                  <a:srgbClr val="649CBF"/>
-                </a:solidFill>
-              </a:rPr>
-              <a:t>8 </a:t>
-            </a:r>
-            <a:r>
-              <a:rPr lang="uk-UA" b="1" dirty="0">
-                <a:solidFill>
-                  <a:srgbClr val="649CBF"/>
-                </a:solidFill>
-              </a:rPr>
-              <a:t>Січня </a:t>
-            </a:r>
-            <a:r>
-              <a:rPr lang="en-US" b="1" dirty="0">
-                <a:solidFill>
-                  <a:srgbClr val="649CBF"/>
-                </a:solidFill>
-              </a:rPr>
-              <a:t>2019 (6</a:t>
-            </a:r>
-            <a:r>
-              <a:rPr lang="uk-UA" b="1" dirty="0">
-                <a:solidFill>
-                  <a:srgbClr val="649CBF"/>
-                </a:solidFill>
-              </a:rPr>
-              <a:t> років тому</a:t>
-            </a:r>
-            <a:r>
-              <a:rPr lang="en-US" b="1" dirty="0">
-                <a:solidFill>
-                  <a:srgbClr val="649CBF"/>
-                </a:solidFill>
-              </a:rPr>
-              <a:t>)</a:t>
-            </a:r>
-            <a:endParaRPr lang="en-US" dirty="0"/>
-          </a:p>
-          <a:p>
-            <a:endParaRPr lang="uk-UA" dirty="0"/>
-          </a:p>
-        </p:txBody>
-      </p:sp>
-      <p:sp>
-        <p:nvSpPr>
-          <p:cNvPr id="24" name="TextBox 23">
-            <a:extLst>
-              <a:ext uri="{FF2B5EF4-FFF2-40B4-BE49-F238E27FC236}">
-                <a16:creationId xmlns:a16="http://schemas.microsoft.com/office/drawing/2014/main" id="{AB08E5BE-9ABC-4931-AB9D-36E3EEA8FDBB}"/>
-              </a:ext>
-            </a:extLst>
-          </p:cNvPr>
-          <p:cNvSpPr txBox="1"/>
-          <p:nvPr/>
-        </p:nvSpPr>
-        <p:spPr>
-          <a:xfrm>
-            <a:off x="358911" y="6472055"/>
-            <a:ext cx="10905218" cy="307777"/>
-          </a:xfrm>
-          <a:prstGeom prst="rect">
-            <a:avLst/>
-          </a:prstGeom>
-          <a:noFill/>
-        </p:spPr>
-        <p:txBody>
-          <a:bodyPr wrap="square" rtlCol="0">
-            <a:spAutoFit/>
-          </a:bodyPr>
-          <a:lstStyle/>
-          <a:p>
-            <a:r>
-              <a:rPr lang="uk-UA" sz="1400" dirty="0"/>
-              <a:t>Інформація з</a:t>
-            </a:r>
-            <a:r>
-              <a:rPr lang="en-US" sz="1400" dirty="0"/>
-              <a:t>: https://en.wikipedia.org/wiki/AV1</a:t>
-            </a:r>
-            <a:r>
-              <a:rPr lang="uk-UA" sz="1400" dirty="0"/>
+              <a:rPr lang="uk-UA" sz="2400" dirty="0"/>
+              <a:t>об</a:t>
+            </a:r>
+            <a:r>
+              <a:rPr lang="en-US" sz="2400" dirty="0"/>
+              <a:t>’</a:t>
+            </a:r>
+            <a:r>
+              <a:rPr lang="uk-UA" sz="2400" dirty="0" err="1"/>
+              <a:t>єму</a:t>
+            </a:r>
+            <a:r>
+              <a:rPr lang="uk-UA" sz="2400" dirty="0"/>
+              <a:t> файлу </a:t>
+            </a:r>
+            <a:r>
+              <a:rPr lang="en-US" sz="2400" dirty="0"/>
+              <a:t>PNG</a:t>
+            </a:r>
+            <a:r>
+              <a:rPr lang="uk-UA" sz="2400" dirty="0"/>
               <a:t> та </a:t>
             </a:r>
             <a:r>
-              <a:rPr lang="en-US" sz="1400" dirty="0"/>
-              <a:t>https://uploadcare.com/blog/avif-image-format/</a:t>
-            </a:r>
-            <a:endParaRPr lang="uk-UA" sz="1400" dirty="0"/>
+              <a:rPr lang="en-US" sz="2400" dirty="0"/>
+              <a:t>AVIF</a:t>
+            </a:r>
+            <a:endParaRPr lang="uk-UA" sz="2400" dirty="0"/>
+          </a:p>
+          <a:p>
+            <a:pPr marL="342900" indent="-342900">
+              <a:lnSpc>
+                <a:spcPct val="150000"/>
+              </a:lnSpc>
+              <a:buClr>
+                <a:srgbClr val="649CBF"/>
+              </a:buClr>
+              <a:buFont typeface="Wingdings" panose="05000000000000000000" pitchFamily="2" charset="2"/>
+              <a:buChar char="§"/>
+            </a:pPr>
+            <a:r>
+              <a:rPr lang="uk-UA" sz="2400" dirty="0"/>
+              <a:t>Порівняння об</a:t>
+            </a:r>
+            <a:r>
+              <a:rPr lang="en-US" sz="2400" dirty="0"/>
+              <a:t>’</a:t>
+            </a:r>
+            <a:r>
+              <a:rPr lang="uk-UA" sz="2400" dirty="0" err="1"/>
+              <a:t>єму</a:t>
+            </a:r>
+            <a:r>
+              <a:rPr lang="uk-UA" sz="2400" dirty="0"/>
+              <a:t> файлу </a:t>
+            </a:r>
+            <a:r>
+              <a:rPr lang="en-US" sz="2400" dirty="0"/>
+              <a:t>JPEG </a:t>
+            </a:r>
+            <a:r>
+              <a:rPr lang="uk-UA" sz="2400" dirty="0"/>
+              <a:t>та </a:t>
+            </a:r>
+            <a:r>
+              <a:rPr lang="en-US" sz="2400" dirty="0"/>
+              <a:t>AVIF</a:t>
+            </a:r>
+            <a:endParaRPr lang="uk-UA" sz="2400" dirty="0"/>
+          </a:p>
+          <a:p>
+            <a:pPr marL="342900" indent="-342900">
+              <a:lnSpc>
+                <a:spcPct val="150000"/>
+              </a:lnSpc>
+              <a:buClr>
+                <a:srgbClr val="649CBF"/>
+              </a:buClr>
+              <a:buFont typeface="Wingdings" panose="05000000000000000000" pitchFamily="2" charset="2"/>
+              <a:buChar char="§"/>
+            </a:pPr>
+            <a:r>
+              <a:rPr lang="uk-UA" sz="2400" dirty="0"/>
+              <a:t>Порівняння якості зображення </a:t>
+            </a:r>
+            <a:r>
+              <a:rPr lang="en-US" sz="2400" dirty="0"/>
+              <a:t>JPEG</a:t>
+            </a:r>
+            <a:r>
+              <a:rPr lang="uk-UA" sz="2400" dirty="0"/>
+              <a:t> та </a:t>
+            </a:r>
+            <a:r>
+              <a:rPr lang="en-US" sz="2400" dirty="0"/>
+              <a:t>AVIF</a:t>
+            </a:r>
+          </a:p>
+          <a:p>
+            <a:pPr marL="342900" indent="-342900">
+              <a:lnSpc>
+                <a:spcPct val="150000"/>
+              </a:lnSpc>
+              <a:buClr>
+                <a:srgbClr val="649CBF"/>
+              </a:buClr>
+              <a:buFont typeface="Wingdings" panose="05000000000000000000" pitchFamily="2" charset="2"/>
+              <a:buChar char="§"/>
+            </a:pPr>
+            <a:r>
+              <a:rPr lang="uk-UA" sz="2400" dirty="0"/>
+              <a:t>Підтримка</a:t>
+            </a:r>
+          </a:p>
+          <a:p>
+            <a:pPr marL="342900" indent="-342900">
+              <a:lnSpc>
+                <a:spcPct val="150000"/>
+              </a:lnSpc>
+              <a:buClr>
+                <a:srgbClr val="649CBF"/>
+              </a:buClr>
+              <a:buFont typeface="Wingdings" panose="05000000000000000000" pitchFamily="2" charset="2"/>
+              <a:buChar char="§"/>
+            </a:pPr>
+            <a:r>
+              <a:rPr lang="uk-UA" sz="2400" dirty="0"/>
+              <a:t>Інструменти</a:t>
+            </a:r>
+            <a:endParaRPr lang="en-US" sz="2400" dirty="0"/>
           </a:p>
         </p:txBody>
       </p:sp>
     </p:spTree>
     <p:extLst>
       <p:ext uri="{BB962C8B-B14F-4D97-AF65-F5344CB8AC3E}">
-        <p14:creationId xmlns:p14="http://schemas.microsoft.com/office/powerpoint/2010/main" val="3980737202"/>
+        <p14:creationId xmlns:p14="http://schemas.microsoft.com/office/powerpoint/2010/main" val="4062621322"/>
       </p:ext>
     </p:extLst>
   </p:cSld>
@@ -6455,50 +6778,31 @@
       </p:grpSpPr>
       <p:sp>
         <p:nvSpPr>
-          <p:cNvPr id="4" name="Title 1">
-            <a:extLst>
-              <a:ext uri="{FF2B5EF4-FFF2-40B4-BE49-F238E27FC236}">
-                <a16:creationId xmlns:a16="http://schemas.microsoft.com/office/drawing/2014/main" id="{5802E896-E61A-4271-BDF1-A3E8648F77E9}"/>
-              </a:ext>
-            </a:extLst>
-          </p:cNvPr>
-          <p:cNvSpPr txBox="1">
-            <a:spLocks/>
+          <p:cNvPr id="2" name="Title 1">
+            <a:extLst>
+              <a:ext uri="{FF2B5EF4-FFF2-40B4-BE49-F238E27FC236}">
+                <a16:creationId xmlns:a16="http://schemas.microsoft.com/office/drawing/2014/main" id="{43D66495-943A-4890-90A0-B6FB38A6209E}"/>
+              </a:ext>
+            </a:extLst>
+          </p:cNvPr>
+          <p:cNvSpPr>
+            <a:spLocks noGrp="1"/>
           </p:cNvSpPr>
-          <p:nvPr/>
+          <p:nvPr>
+            <p:ph type="title"/>
+          </p:nvPr>
         </p:nvSpPr>
         <p:spPr>
           <a:xfrm>
             <a:off x="553720" y="385445"/>
             <a:ext cx="10515600" cy="1325563"/>
           </a:xfrm>
-          <a:prstGeom prst="rect">
-            <a:avLst/>
-          </a:prstGeom>
         </p:spPr>
         <p:txBody>
-          <a:bodyPr vert="horz" lIns="91440" tIns="45720" rIns="91440" bIns="45720" rtlCol="0" anchor="ctr">
+          <a:bodyPr>
             <a:normAutofit/>
           </a:bodyPr>
-          <a:lstStyle>
-            <a:lvl1pPr algn="l" defTabSz="914400" rtl="0" eaLnBrk="1" latinLnBrk="0" hangingPunct="1">
-              <a:lnSpc>
-                <a:spcPct val="90000"/>
-              </a:lnSpc>
-              <a:spcBef>
-                <a:spcPct val="0"/>
-              </a:spcBef>
-              <a:buNone/>
-              <a:defRPr sz="4400" kern="1200">
-                <a:solidFill>
-                  <a:schemeClr val="tx1"/>
-                </a:solidFill>
-                <a:latin typeface="+mj-lt"/>
-                <a:ea typeface="+mj-ea"/>
-                <a:cs typeface="+mj-cs"/>
-              </a:defRPr>
-            </a:lvl1pPr>
-          </a:lstStyle>
+          <a:lstStyle/>
           <a:p>
             <a:r>
               <a:rPr lang="uk-UA" sz="5400" dirty="0">
@@ -6506,17 +6810,401 @@
                   <a:srgbClr val="4C7BA7"/>
                 </a:solidFill>
               </a:rPr>
-              <a:t>Навіщо воно потрібно?</a:t>
-            </a:r>
-          </a:p>
-        </p:txBody>
-      </p:sp>
-      <p:sp>
-        <p:nvSpPr>
-          <p:cNvPr id="6" name="TextBox 5">
-            <a:extLst>
-              <a:ext uri="{FF2B5EF4-FFF2-40B4-BE49-F238E27FC236}">
-                <a16:creationId xmlns:a16="http://schemas.microsoft.com/office/drawing/2014/main" id="{3770BBEE-DA46-475E-828E-D80421DA5719}"/>
+              <a:t>Технології в основі </a:t>
+            </a:r>
+            <a:r>
+              <a:rPr lang="en-US" sz="5400" dirty="0">
+                <a:solidFill>
+                  <a:srgbClr val="4C7BA7"/>
+                </a:solidFill>
+              </a:rPr>
+              <a:t>AVIF</a:t>
+            </a:r>
+            <a:endParaRPr lang="uk-UA" sz="5400" dirty="0">
+              <a:solidFill>
+                <a:srgbClr val="4C7BA7"/>
+              </a:solidFill>
+            </a:endParaRPr>
+          </a:p>
+        </p:txBody>
+      </p:sp>
+      <p:pic>
+        <p:nvPicPr>
+          <p:cNvPr id="7" name="Picture 6">
+            <a:extLst>
+              <a:ext uri="{FF2B5EF4-FFF2-40B4-BE49-F238E27FC236}">
+                <a16:creationId xmlns:a16="http://schemas.microsoft.com/office/drawing/2014/main" id="{4DF1B183-C757-48D8-AA19-B9666B772EB6}"/>
+              </a:ext>
+            </a:extLst>
+          </p:cNvPr>
+          <p:cNvPicPr>
+            <a:picLocks noChangeAspect="1"/>
+          </p:cNvPicPr>
+          <p:nvPr/>
+        </p:nvPicPr>
+        <p:blipFill>
+          <a:blip r:embed="rId2">
+            <a:extLst>
+              <a:ext uri="{28A0092B-C50C-407E-A947-70E740481C1C}">
+                <a14:useLocalDpi xmlns:a14="http://schemas.microsoft.com/office/drawing/2010/main" val="0"/>
+              </a:ext>
+            </a:extLst>
+          </a:blip>
+          <a:stretch>
+            <a:fillRect/>
+          </a:stretch>
+        </p:blipFill>
+        <p:spPr>
+          <a:xfrm>
+            <a:off x="8600552" y="2915194"/>
+            <a:ext cx="3143250" cy="2352675"/>
+          </a:xfrm>
+          <a:prstGeom prst="rect">
+            <a:avLst/>
+          </a:prstGeom>
+        </p:spPr>
+      </p:pic>
+      <p:pic>
+        <p:nvPicPr>
+          <p:cNvPr id="9" name="Picture 8">
+            <a:extLst>
+              <a:ext uri="{FF2B5EF4-FFF2-40B4-BE49-F238E27FC236}">
+                <a16:creationId xmlns:a16="http://schemas.microsoft.com/office/drawing/2014/main" id="{3D0C38EC-7311-48E4-AB4B-D3FB34A1C8D7}"/>
+              </a:ext>
+            </a:extLst>
+          </p:cNvPr>
+          <p:cNvPicPr>
+            <a:picLocks noChangeAspect="1"/>
+          </p:cNvPicPr>
+          <p:nvPr/>
+        </p:nvPicPr>
+        <p:blipFill>
+          <a:blip r:embed="rId3">
+            <a:extLst>
+              <a:ext uri="{28A0092B-C50C-407E-A947-70E740481C1C}">
+                <a14:useLocalDpi xmlns:a14="http://schemas.microsoft.com/office/drawing/2010/main" val="0"/>
+              </a:ext>
+            </a:extLst>
+          </a:blip>
+          <a:stretch>
+            <a:fillRect/>
+          </a:stretch>
+        </p:blipFill>
+        <p:spPr>
+          <a:xfrm>
+            <a:off x="553720" y="3215231"/>
+            <a:ext cx="3143250" cy="1752600"/>
+          </a:xfrm>
+          <a:prstGeom prst="rect">
+            <a:avLst/>
+          </a:prstGeom>
+        </p:spPr>
+      </p:pic>
+      <p:sp>
+        <p:nvSpPr>
+          <p:cNvPr id="11" name="TextBox 10">
+            <a:extLst>
+              <a:ext uri="{FF2B5EF4-FFF2-40B4-BE49-F238E27FC236}">
+                <a16:creationId xmlns:a16="http://schemas.microsoft.com/office/drawing/2014/main" id="{53BF3557-CEC5-40CD-96EF-3BE3491CC364}"/>
+              </a:ext>
+            </a:extLst>
+          </p:cNvPr>
+          <p:cNvSpPr txBox="1"/>
+          <p:nvPr/>
+        </p:nvSpPr>
+        <p:spPr>
+          <a:xfrm>
+            <a:off x="4767578" y="3399035"/>
+            <a:ext cx="3143250" cy="1384995"/>
+          </a:xfrm>
+          <a:prstGeom prst="rect">
+            <a:avLst/>
+          </a:prstGeom>
+          <a:noFill/>
+        </p:spPr>
+        <p:txBody>
+          <a:bodyPr wrap="square">
+            <a:spAutoFit/>
+          </a:bodyPr>
+          <a:lstStyle/>
+          <a:p>
+            <a:r>
+              <a:rPr lang="en-US" sz="2800" b="1" dirty="0">
+                <a:solidFill>
+                  <a:srgbClr val="4C7BA7"/>
+                </a:solidFill>
+              </a:rPr>
+              <a:t>HEIF</a:t>
+            </a:r>
+          </a:p>
+          <a:p>
+            <a:r>
+              <a:rPr lang="en-US" sz="2800" b="1" dirty="0">
+                <a:solidFill>
+                  <a:srgbClr val="4C7BA7"/>
+                </a:solidFill>
+              </a:rPr>
+              <a:t>High Efficiency Image File Format</a:t>
+            </a:r>
+            <a:endParaRPr lang="uk-UA" sz="2800" dirty="0">
+              <a:solidFill>
+                <a:srgbClr val="4C7BA7"/>
+              </a:solidFill>
+            </a:endParaRPr>
+          </a:p>
+        </p:txBody>
+      </p:sp>
+      <p:sp>
+        <p:nvSpPr>
+          <p:cNvPr id="19" name="TextBox 18">
+            <a:extLst>
+              <a:ext uri="{FF2B5EF4-FFF2-40B4-BE49-F238E27FC236}">
+                <a16:creationId xmlns:a16="http://schemas.microsoft.com/office/drawing/2014/main" id="{493B1696-63EA-457E-8226-96C0760012E1}"/>
+              </a:ext>
+            </a:extLst>
+          </p:cNvPr>
+          <p:cNvSpPr txBox="1"/>
+          <p:nvPr/>
+        </p:nvSpPr>
+        <p:spPr>
+          <a:xfrm>
+            <a:off x="3985256" y="3690791"/>
+            <a:ext cx="321948" cy="707886"/>
+          </a:xfrm>
+          <a:prstGeom prst="rect">
+            <a:avLst/>
+          </a:prstGeom>
+          <a:noFill/>
+        </p:spPr>
+        <p:txBody>
+          <a:bodyPr wrap="square" rtlCol="0">
+            <a:spAutoFit/>
+          </a:bodyPr>
+          <a:lstStyle/>
+          <a:p>
+            <a:r>
+              <a:rPr lang="uk-UA" sz="4000" dirty="0">
+                <a:solidFill>
+                  <a:srgbClr val="649CBF"/>
+                </a:solidFill>
+              </a:rPr>
+              <a:t>в</a:t>
+            </a:r>
+          </a:p>
+        </p:txBody>
+      </p:sp>
+      <p:sp>
+        <p:nvSpPr>
+          <p:cNvPr id="20" name="TextBox 19">
+            <a:extLst>
+              <a:ext uri="{FF2B5EF4-FFF2-40B4-BE49-F238E27FC236}">
+                <a16:creationId xmlns:a16="http://schemas.microsoft.com/office/drawing/2014/main" id="{17BDA721-74B8-4EC1-A9FD-107A1B99AE89}"/>
+              </a:ext>
+            </a:extLst>
+          </p:cNvPr>
+          <p:cNvSpPr txBox="1"/>
+          <p:nvPr/>
+        </p:nvSpPr>
+        <p:spPr>
+          <a:xfrm>
+            <a:off x="7788355" y="3690791"/>
+            <a:ext cx="321948" cy="707886"/>
+          </a:xfrm>
+          <a:prstGeom prst="rect">
+            <a:avLst/>
+          </a:prstGeom>
+          <a:noFill/>
+        </p:spPr>
+        <p:txBody>
+          <a:bodyPr wrap="square" rtlCol="0">
+            <a:spAutoFit/>
+          </a:bodyPr>
+          <a:lstStyle/>
+          <a:p>
+            <a:r>
+              <a:rPr lang="en-US" sz="4000" dirty="0">
+                <a:solidFill>
+                  <a:srgbClr val="649CBF"/>
+                </a:solidFill>
+              </a:rPr>
+              <a:t>=</a:t>
+            </a:r>
+            <a:endParaRPr lang="uk-UA" sz="4000" dirty="0">
+              <a:solidFill>
+                <a:srgbClr val="649CBF"/>
+              </a:solidFill>
+            </a:endParaRPr>
+          </a:p>
+        </p:txBody>
+      </p:sp>
+      <p:sp>
+        <p:nvSpPr>
+          <p:cNvPr id="21" name="TextBox 20">
+            <a:extLst>
+              <a:ext uri="{FF2B5EF4-FFF2-40B4-BE49-F238E27FC236}">
+                <a16:creationId xmlns:a16="http://schemas.microsoft.com/office/drawing/2014/main" id="{01A84C2A-94E9-4896-A7E4-4FD6553FA2DB}"/>
+              </a:ext>
+            </a:extLst>
+          </p:cNvPr>
+          <p:cNvSpPr txBox="1"/>
+          <p:nvPr/>
+        </p:nvSpPr>
+        <p:spPr>
+          <a:xfrm>
+            <a:off x="554375" y="1585524"/>
+            <a:ext cx="5257145" cy="646331"/>
+          </a:xfrm>
+          <a:prstGeom prst="rect">
+            <a:avLst/>
+          </a:prstGeom>
+          <a:noFill/>
+        </p:spPr>
+        <p:txBody>
+          <a:bodyPr wrap="square" rtlCol="0">
+            <a:spAutoFit/>
+          </a:bodyPr>
+          <a:lstStyle/>
+          <a:p>
+            <a:r>
+              <a:rPr lang="uk-UA" dirty="0">
+                <a:solidFill>
+                  <a:srgbClr val="4C7BA7"/>
+                </a:solidFill>
+              </a:rPr>
+              <a:t>Початковий реліз</a:t>
+            </a:r>
+            <a:r>
+              <a:rPr lang="en-US" dirty="0">
+                <a:solidFill>
+                  <a:srgbClr val="4C7BA7"/>
+                </a:solidFill>
+              </a:rPr>
+              <a:t>: </a:t>
+            </a:r>
+            <a:r>
+              <a:rPr lang="en-US" b="1" dirty="0">
+                <a:solidFill>
+                  <a:srgbClr val="649CBF"/>
+                </a:solidFill>
+              </a:rPr>
+              <a:t>28 </a:t>
+            </a:r>
+            <a:r>
+              <a:rPr lang="uk-UA" b="1" dirty="0">
+                <a:solidFill>
+                  <a:srgbClr val="649CBF"/>
+                </a:solidFill>
+              </a:rPr>
+              <a:t>Березня </a:t>
+            </a:r>
+            <a:r>
+              <a:rPr lang="en-US" b="1" dirty="0">
+                <a:solidFill>
+                  <a:srgbClr val="649CBF"/>
+                </a:solidFill>
+              </a:rPr>
+              <a:t>2018 (7</a:t>
+            </a:r>
+            <a:r>
+              <a:rPr lang="uk-UA" b="1" dirty="0">
+                <a:solidFill>
+                  <a:srgbClr val="649CBF"/>
+                </a:solidFill>
+              </a:rPr>
+              <a:t> років тому</a:t>
+            </a:r>
+            <a:r>
+              <a:rPr lang="en-US" b="1" dirty="0">
+                <a:solidFill>
+                  <a:srgbClr val="649CBF"/>
+                </a:solidFill>
+              </a:rPr>
+              <a:t>)</a:t>
+            </a:r>
+          </a:p>
+          <a:p>
+            <a:r>
+              <a:rPr lang="uk-UA" dirty="0">
+                <a:solidFill>
+                  <a:srgbClr val="4C7BA7"/>
+                </a:solidFill>
+              </a:rPr>
+              <a:t>Останній</a:t>
+            </a:r>
+            <a:r>
+              <a:rPr lang="en-US" dirty="0">
+                <a:solidFill>
+                  <a:srgbClr val="4C7BA7"/>
+                </a:solidFill>
+              </a:rPr>
+              <a:t> </a:t>
+            </a:r>
+            <a:r>
+              <a:rPr lang="uk-UA" dirty="0">
+                <a:solidFill>
+                  <a:srgbClr val="4C7BA7"/>
+                </a:solidFill>
+              </a:rPr>
+              <a:t>реліз</a:t>
+            </a:r>
+            <a:r>
+              <a:rPr lang="en-US" dirty="0">
+                <a:solidFill>
+                  <a:srgbClr val="4C7BA7"/>
+                </a:solidFill>
+              </a:rPr>
+              <a:t>: </a:t>
+            </a:r>
+            <a:r>
+              <a:rPr lang="en-US" b="1" dirty="0">
+                <a:solidFill>
+                  <a:srgbClr val="649CBF"/>
+                </a:solidFill>
+              </a:rPr>
+              <a:t>8 </a:t>
+            </a:r>
+            <a:r>
+              <a:rPr lang="uk-UA" b="1" dirty="0">
+                <a:solidFill>
+                  <a:srgbClr val="649CBF"/>
+                </a:solidFill>
+              </a:rPr>
+              <a:t>Січня </a:t>
+            </a:r>
+            <a:r>
+              <a:rPr lang="en-US" b="1" dirty="0">
+                <a:solidFill>
+                  <a:srgbClr val="649CBF"/>
+                </a:solidFill>
+              </a:rPr>
+              <a:t>2019 (6</a:t>
+            </a:r>
+            <a:r>
+              <a:rPr lang="uk-UA" b="1" dirty="0">
+                <a:solidFill>
+                  <a:srgbClr val="649CBF"/>
+                </a:solidFill>
+              </a:rPr>
+              <a:t> років тому</a:t>
+            </a:r>
+            <a:r>
+              <a:rPr lang="en-US" b="1" dirty="0">
+                <a:solidFill>
+                  <a:srgbClr val="649CBF"/>
+                </a:solidFill>
+              </a:rPr>
+              <a:t>)</a:t>
+            </a:r>
+            <a:endParaRPr lang="en-US" dirty="0"/>
+          </a:p>
+        </p:txBody>
+      </p:sp>
+      <p:sp>
+        <p:nvSpPr>
+          <p:cNvPr id="24" name="TextBox 23">
+            <a:extLst>
+              <a:ext uri="{FF2B5EF4-FFF2-40B4-BE49-F238E27FC236}">
+                <a16:creationId xmlns:a16="http://schemas.microsoft.com/office/drawing/2014/main" id="{AB08E5BE-9ABC-4931-AB9D-36E3EEA8FDBB}"/>
               </a:ext>
             </a:extLst>
           </p:cNvPr>
@@ -6541,104 +7229,40 @@
           <a:p>
             <a:r>
               <a:rPr lang="uk-UA" sz="1400" dirty="0"/>
-              <a:t>Картинка з</a:t>
+              <a:t>Інформація і картинки з</a:t>
             </a:r>
             <a:r>
               <a:rPr lang="en-US" sz="1400" dirty="0"/>
-              <a:t>: https://wallpapersafari.com/w/U6PCaJ</a:t>
+              <a:t>: https://en.wikipedia.org/wiki/AV1</a:t>
             </a:r>
             <a:r>
               <a:rPr lang="uk-UA" sz="1400" dirty="0"/>
-              <a:t>, Застосунок</a:t>
+              <a:t> та </a:t>
             </a:r>
             <a:r>
               <a:rPr lang="en-US" sz="1400" dirty="0"/>
-              <a:t>: https://squoosh.app/editor</a:t>
+              <a:t>https://uploadcare.com/blog/avif-image-format/</a:t>
             </a:r>
             <a:endParaRPr lang="uk-UA" sz="1400" dirty="0"/>
           </a:p>
         </p:txBody>
       </p:sp>
-      <p:graphicFrame>
-        <p:nvGraphicFramePr>
-          <p:cNvPr id="9" name="Chart 8">
-            <a:extLst>
-              <a:ext uri="{FF2B5EF4-FFF2-40B4-BE49-F238E27FC236}">
-                <a16:creationId xmlns:a16="http://schemas.microsoft.com/office/drawing/2014/main" id="{C99B96A3-4EA0-41E0-8968-199485493E09}"/>
-              </a:ext>
-            </a:extLst>
-          </p:cNvPr>
-          <p:cNvGraphicFramePr/>
-          <p:nvPr>
-            <p:extLst>
-              <p:ext uri="{D42A27DB-BD31-4B8C-83A1-F6EECF244321}">
-                <p14:modId xmlns:p14="http://schemas.microsoft.com/office/powerpoint/2010/main" val="4080257752"/>
-              </p:ext>
-            </p:extLst>
-          </p:nvPr>
-        </p:nvGraphicFramePr>
-        <p:xfrm>
-          <a:off x="553720" y="1708963"/>
-          <a:ext cx="7852780" cy="4458060"/>
-        </p:xfrm>
-        <a:graphic>
-          <a:graphicData uri="http://schemas.openxmlformats.org/drawingml/2006/chart">
-            <c:chart xmlns:c="http://schemas.openxmlformats.org/drawingml/2006/chart" xmlns:r="http://schemas.openxmlformats.org/officeDocument/2006/relationships" r:id="rId2"/>
-          </a:graphicData>
-        </a:graphic>
-      </p:graphicFrame>
-      <p:pic>
-        <p:nvPicPr>
-          <p:cNvPr id="12" name="Picture 11">
-            <a:extLst>
-              <a:ext uri="{FF2B5EF4-FFF2-40B4-BE49-F238E27FC236}">
-                <a16:creationId xmlns:a16="http://schemas.microsoft.com/office/drawing/2014/main" id="{F0750B05-8FB5-4921-A5A9-3E2F9D6AE1CF}"/>
-              </a:ext>
-            </a:extLst>
-          </p:cNvPr>
-          <p:cNvPicPr>
-            <a:picLocks noChangeAspect="1"/>
-          </p:cNvPicPr>
+      <p:sp>
+        <p:nvSpPr>
+          <p:cNvPr id="3" name="TextBox 2">
+            <a:extLst>
+              <a:ext uri="{FF2B5EF4-FFF2-40B4-BE49-F238E27FC236}">
+                <a16:creationId xmlns:a16="http://schemas.microsoft.com/office/drawing/2014/main" id="{4F50202A-70F9-4E2C-BA0F-835B7F30EB31}"/>
+              </a:ext>
+            </a:extLst>
+          </p:cNvPr>
+          <p:cNvSpPr txBox="1"/>
           <p:nvPr/>
-        </p:nvPicPr>
-        <p:blipFill>
-          <a:blip r:embed="rId3">
-            <a:extLst>
-              <a:ext uri="{28A0092B-C50C-407E-A947-70E740481C1C}">
-                <a14:useLocalDpi xmlns:a14="http://schemas.microsoft.com/office/drawing/2010/main" val="0"/>
-              </a:ext>
-            </a:extLst>
-          </a:blip>
-          <a:stretch>
-            <a:fillRect/>
-          </a:stretch>
-        </p:blipFill>
+        </p:nvSpPr>
         <p:spPr>
           <a:xfrm>
-            <a:off x="8526882" y="1871061"/>
-            <a:ext cx="3444227" cy="1935584"/>
-          </a:xfrm>
-          <a:prstGeom prst="rect">
-            <a:avLst/>
-          </a:prstGeom>
-        </p:spPr>
-      </p:pic>
-      <p:sp>
-        <p:nvSpPr>
-          <p:cNvPr id="13" name="TextBox 12">
-            <a:extLst>
-              <a:ext uri="{FF2B5EF4-FFF2-40B4-BE49-F238E27FC236}">
-                <a16:creationId xmlns:a16="http://schemas.microsoft.com/office/drawing/2014/main" id="{C4A03A19-7206-41B9-AA01-14A49E7D74EA}"/>
-              </a:ext>
-            </a:extLst>
-          </p:cNvPr>
-          <p:cNvSpPr txBox="1"/>
-          <p:nvPr/>
-        </p:nvSpPr>
-        <p:spPr>
-          <a:xfrm>
-            <a:off x="10836790" y="3855608"/>
-            <a:ext cx="1134319" cy="338554"/>
+            <a:off x="11149781" y="6341806"/>
+            <a:ext cx="594021" cy="369332"/>
           </a:xfrm>
           <a:prstGeom prst="rect">
             <a:avLst/>
@@ -6651,26 +7275,18 @@
           </a:bodyPr>
           <a:lstStyle/>
           <a:p>
-            <a:r>
-              <a:rPr lang="en-US" sz="1600" dirty="0">
-                <a:solidFill>
-                  <a:srgbClr val="649CBF"/>
-                </a:solidFill>
-              </a:rPr>
-              <a:t>1920x1079</a:t>
-            </a:r>
-            <a:endParaRPr lang="uk-UA" sz="1600" dirty="0">
-              <a:solidFill>
-                <a:srgbClr val="649CBF"/>
-              </a:solidFill>
-            </a:endParaRPr>
+            <a:fld id="{5BBD6B9B-B0DF-4DAF-8DCF-9B69419DEA99}" type="slidenum">
+              <a:rPr lang="uk-UA" smtClean="0"/>
+              <a:t>3</a:t>
+            </a:fld>
+            <a:endParaRPr lang="uk-UA" dirty="0"/>
           </a:p>
         </p:txBody>
       </p:sp>
     </p:spTree>
     <p:extLst>
       <p:ext uri="{BB962C8B-B14F-4D97-AF65-F5344CB8AC3E}">
-        <p14:creationId xmlns:p14="http://schemas.microsoft.com/office/powerpoint/2010/main" val="1085885837"/>
+        <p14:creationId xmlns:p14="http://schemas.microsoft.com/office/powerpoint/2010/main" val="3980737202"/>
       </p:ext>
     </p:extLst>
   </p:cSld>
@@ -6730,7 +7346,7 @@
         </p:spPr>
         <p:txBody>
           <a:bodyPr vert="horz" lIns="91440" tIns="45720" rIns="91440" bIns="45720" rtlCol="0" anchor="ctr">
-            <a:normAutofit/>
+            <a:normAutofit fontScale="92500"/>
           </a:bodyPr>
           <a:lstStyle>
             <a:lvl1pPr algn="l" defTabSz="914400" rtl="0" eaLnBrk="1" latinLnBrk="0" hangingPunct="1">
@@ -6758,7 +7374,31 @@
                   <a:srgbClr val="4C7BA7"/>
                 </a:solidFill>
               </a:rPr>
-              <a:t>Другий приклад</a:t>
+              <a:t>Порівняння об’єму файлу </a:t>
+            </a:r>
+            <a:r>
+              <a:rPr lang="en-US" sz="5400" dirty="0">
+                <a:solidFill>
+                  <a:srgbClr val="4C7BA7"/>
+                </a:solidFill>
+              </a:rPr>
+              <a:t>PNG </a:t>
+            </a:r>
+            <a:r>
+              <a:rPr lang="uk-UA" sz="5400" dirty="0">
+                <a:solidFill>
+                  <a:srgbClr val="4C7BA7"/>
+                </a:solidFill>
+              </a:rPr>
+              <a:t>та </a:t>
+            </a:r>
+            <a:r>
+              <a:rPr lang="en-US" sz="5400" dirty="0">
+                <a:solidFill>
+                  <a:srgbClr val="4C7BA7"/>
+                </a:solidFill>
+              </a:rPr>
+              <a:t>AVIF</a:t>
             </a:r>
           </a:p>
         </p:txBody>
@@ -6797,7 +7437,7 @@
             </a:r>
             <a:r>
               <a:rPr lang="en-US" sz="1400" dirty="0"/>
-              <a:t>: https://topdogfilmfestival.com.au/the-science-behind-why-dogs-are-so-cute/</a:t>
+              <a:t>: https://wallpapersafari.com/w/U6PCaJ</a:t>
             </a:r>
             <a:r>
               <a:rPr lang="uk-UA" sz="1400" dirty="0"/>
@@ -6824,7 +7464,7 @@
           <p:nvPr>
             <p:extLst>
               <p:ext uri="{D42A27DB-BD31-4B8C-83A1-F6EECF244321}">
-                <p14:modId xmlns:p14="http://schemas.microsoft.com/office/powerpoint/2010/main" val="3685363181"/>
+                <p14:modId xmlns:p14="http://schemas.microsoft.com/office/powerpoint/2010/main" val="4080257752"/>
               </p:ext>
             </p:extLst>
           </p:nvPr>
@@ -6839,6 +7479,42 @@
           </a:graphicData>
         </a:graphic>
       </p:graphicFrame>
+      <p:pic>
+        <p:nvPicPr>
+          <p:cNvPr id="12" name="Picture 11">
+            <a:extLst>
+              <a:ext uri="{FF2B5EF4-FFF2-40B4-BE49-F238E27FC236}">
+                <a16:creationId xmlns:a16="http://schemas.microsoft.com/office/drawing/2014/main" id="{F0750B05-8FB5-4921-A5A9-3E2F9D6AE1CF}"/>
+              </a:ext>
+            </a:extLst>
+          </p:cNvPr>
+          <p:cNvPicPr>
+            <a:picLocks noChangeAspect="1"/>
+          </p:cNvPicPr>
+          <p:nvPr/>
+        </p:nvPicPr>
+        <p:blipFill>
+          <a:blip r:embed="rId3">
+            <a:extLst>
+              <a:ext uri="{28A0092B-C50C-407E-A947-70E740481C1C}">
+                <a14:useLocalDpi xmlns:a14="http://schemas.microsoft.com/office/drawing/2010/main" val="0"/>
+              </a:ext>
+            </a:extLst>
+          </a:blip>
+          <a:stretch>
+            <a:fillRect/>
+          </a:stretch>
+        </p:blipFill>
+        <p:spPr>
+          <a:xfrm>
+            <a:off x="8526882" y="1871061"/>
+            <a:ext cx="3444227" cy="1935584"/>
+          </a:xfrm>
+          <a:prstGeom prst="rect">
+            <a:avLst/>
+          </a:prstGeom>
+        </p:spPr>
+      </p:pic>
       <p:sp>
         <p:nvSpPr>
           <p:cNvPr id="13" name="TextBox 12">
@@ -6853,7 +7529,7 @@
         </p:nvSpPr>
         <p:spPr>
           <a:xfrm>
-            <a:off x="10623795" y="3686331"/>
+            <a:off x="10836790" y="3855608"/>
             <a:ext cx="1134319" cy="338554"/>
           </a:xfrm>
           <a:prstGeom prst="rect">
@@ -6873,7 +7549,7 @@
                   <a:srgbClr val="649CBF"/>
                 </a:solidFill>
               </a:rPr>
-              <a:t>1536x1086</a:t>
+              <a:t>1920x1079</a:t>
             </a:r>
             <a:endParaRPr lang="uk-UA" sz="1600" dirty="0">
               <a:solidFill>
@@ -6883,46 +7559,46 @@
           </a:p>
         </p:txBody>
       </p:sp>
-      <p:pic>
-        <p:nvPicPr>
-          <p:cNvPr id="3" name="Picture 2">
-            <a:extLst>
-              <a:ext uri="{FF2B5EF4-FFF2-40B4-BE49-F238E27FC236}">
-                <a16:creationId xmlns:a16="http://schemas.microsoft.com/office/drawing/2014/main" id="{28B56BBE-3B8B-4FBA-80EF-0B6B45E3398E}"/>
-              </a:ext>
-            </a:extLst>
-          </p:cNvPr>
-          <p:cNvPicPr>
-            <a:picLocks noChangeAspect="1"/>
-          </p:cNvPicPr>
+      <p:sp>
+        <p:nvSpPr>
+          <p:cNvPr id="7" name="TextBox 6">
+            <a:extLst>
+              <a:ext uri="{FF2B5EF4-FFF2-40B4-BE49-F238E27FC236}">
+                <a16:creationId xmlns:a16="http://schemas.microsoft.com/office/drawing/2014/main" id="{829A6D2D-B9FC-48D6-9305-C39C4082632D}"/>
+              </a:ext>
+            </a:extLst>
+          </p:cNvPr>
+          <p:cNvSpPr txBox="1"/>
           <p:nvPr/>
-        </p:nvPicPr>
-        <p:blipFill>
-          <a:blip r:embed="rId3">
-            <a:extLst>
-              <a:ext uri="{28A0092B-C50C-407E-A947-70E740481C1C}">
-                <a14:useLocalDpi xmlns:a14="http://schemas.microsoft.com/office/drawing/2010/main" val="0"/>
-              </a:ext>
-            </a:extLst>
-          </a:blip>
-          <a:stretch>
-            <a:fillRect/>
-          </a:stretch>
-        </p:blipFill>
+        </p:nvSpPr>
         <p:spPr>
           <a:xfrm>
-            <a:off x="8406500" y="1180880"/>
-            <a:ext cx="3351614" cy="2369696"/>
+            <a:off x="11149781" y="6341806"/>
+            <a:ext cx="594021" cy="369332"/>
           </a:xfrm>
           <a:prstGeom prst="rect">
             <a:avLst/>
           </a:prstGeom>
+          <a:noFill/>
         </p:spPr>
-      </p:pic>
+        <p:txBody>
+          <a:bodyPr wrap="square" rtlCol="0">
+            <a:spAutoFit/>
+          </a:bodyPr>
+          <a:lstStyle/>
+          <a:p>
+            <a:fld id="{5BBD6B9B-B0DF-4DAF-8DCF-9B69419DEA99}" type="slidenum">
+              <a:rPr lang="uk-UA" smtClean="0"/>
+              <a:t>4</a:t>
+            </a:fld>
+            <a:endParaRPr lang="uk-UA" dirty="0"/>
+          </a:p>
+        </p:txBody>
+      </p:sp>
     </p:spTree>
     <p:extLst>
       <p:ext uri="{BB962C8B-B14F-4D97-AF65-F5344CB8AC3E}">
-        <p14:creationId xmlns:p14="http://schemas.microsoft.com/office/powerpoint/2010/main" val="47763360"/>
+        <p14:creationId xmlns:p14="http://schemas.microsoft.com/office/powerpoint/2010/main" val="1085885837"/>
       </p:ext>
     </p:extLst>
   </p:cSld>
@@ -6962,7 +7638,7 @@
           <p:cNvPr id="4" name="Title 1">
             <a:extLst>
               <a:ext uri="{FF2B5EF4-FFF2-40B4-BE49-F238E27FC236}">
-                <a16:creationId xmlns:a16="http://schemas.microsoft.com/office/drawing/2014/main" id="{AEF9CC87-4B82-409B-91F6-A35EFEA53A30}"/>
+                <a16:creationId xmlns:a16="http://schemas.microsoft.com/office/drawing/2014/main" id="{5802E896-E61A-4271-BDF1-A3E8648F77E9}"/>
               </a:ext>
             </a:extLst>
           </p:cNvPr>
@@ -6973,8 +7649,8 @@
         </p:nvSpPr>
         <p:spPr>
           <a:xfrm>
-            <a:off x="599527" y="57771"/>
-            <a:ext cx="8900425" cy="1325563"/>
+            <a:off x="553720" y="385445"/>
+            <a:ext cx="7136384" cy="1325563"/>
           </a:xfrm>
           <a:prstGeom prst="rect">
             <a:avLst/>
@@ -6982,7 +7658,7 @@
         </p:spPr>
         <p:txBody>
           <a:bodyPr vert="horz" lIns="91440" tIns="45720" rIns="91440" bIns="45720" rtlCol="0" anchor="ctr">
-            <a:normAutofit/>
+            <a:normAutofit fontScale="92500" lnSpcReduction="20000"/>
           </a:bodyPr>
           <a:lstStyle>
             <a:lvl1pPr algn="l" defTabSz="914400" rtl="0" eaLnBrk="1" latinLnBrk="0" hangingPunct="1">
@@ -7010,17 +7686,161 @@
                   <a:srgbClr val="4C7BA7"/>
                 </a:solidFill>
               </a:rPr>
-              <a:t>Порівняння якості</a:t>
-            </a:r>
+              <a:t>Порівняння об’єму файлу </a:t>
+            </a:r>
+            <a:r>
+              <a:rPr lang="en-US" sz="5400" dirty="0">
+                <a:solidFill>
+                  <a:srgbClr val="4C7BA7"/>
+                </a:solidFill>
+              </a:rPr>
+              <a:t>JPEG </a:t>
+            </a:r>
+            <a:r>
+              <a:rPr lang="uk-UA" sz="5400" dirty="0">
+                <a:solidFill>
+                  <a:srgbClr val="4C7BA7"/>
+                </a:solidFill>
+              </a:rPr>
+              <a:t>та </a:t>
+            </a:r>
+            <a:r>
+              <a:rPr lang="en-US" sz="5400" dirty="0">
+                <a:solidFill>
+                  <a:srgbClr val="4C7BA7"/>
+                </a:solidFill>
+              </a:rPr>
+              <a:t>AVIF</a:t>
+            </a:r>
+          </a:p>
+        </p:txBody>
+      </p:sp>
+      <p:sp>
+        <p:nvSpPr>
+          <p:cNvPr id="6" name="TextBox 5">
+            <a:extLst>
+              <a:ext uri="{FF2B5EF4-FFF2-40B4-BE49-F238E27FC236}">
+                <a16:creationId xmlns:a16="http://schemas.microsoft.com/office/drawing/2014/main" id="{3770BBEE-DA46-475E-828E-D80421DA5719}"/>
+              </a:ext>
+            </a:extLst>
+          </p:cNvPr>
+          <p:cNvSpPr txBox="1"/>
+          <p:nvPr/>
+        </p:nvSpPr>
+        <p:spPr>
+          <a:xfrm>
+            <a:off x="358911" y="6472055"/>
+            <a:ext cx="10905218" cy="307777"/>
+          </a:xfrm>
+          <a:prstGeom prst="rect">
+            <a:avLst/>
+          </a:prstGeom>
+          <a:noFill/>
+        </p:spPr>
+        <p:txBody>
+          <a:bodyPr wrap="square" rtlCol="0">
+            <a:spAutoFit/>
+          </a:bodyPr>
+          <a:lstStyle/>
+          <a:p>
+            <a:r>
+              <a:rPr lang="uk-UA" sz="1400" dirty="0"/>
+              <a:t>Картинка з</a:t>
+            </a:r>
+            <a:r>
+              <a:rPr lang="en-US" sz="1400" dirty="0"/>
+              <a:t>: https://topdogfilmfestival.com.au/the-science-behind-why-dogs-are-so-cute/</a:t>
+            </a:r>
+            <a:r>
+              <a:rPr lang="uk-UA" sz="1400" dirty="0"/>
+              <a:t>, Застосунок</a:t>
+            </a:r>
+            <a:r>
+              <a:rPr lang="en-US" sz="1400" dirty="0"/>
+              <a:t>: https://squoosh.app/editor</a:t>
+            </a:r>
+            <a:endParaRPr lang="uk-UA" sz="1400" dirty="0"/>
+          </a:p>
+        </p:txBody>
+      </p:sp>
+      <p:graphicFrame>
+        <p:nvGraphicFramePr>
+          <p:cNvPr id="9" name="Chart 8">
+            <a:extLst>
+              <a:ext uri="{FF2B5EF4-FFF2-40B4-BE49-F238E27FC236}">
+                <a16:creationId xmlns:a16="http://schemas.microsoft.com/office/drawing/2014/main" id="{C99B96A3-4EA0-41E0-8968-199485493E09}"/>
+              </a:ext>
+            </a:extLst>
+          </p:cNvPr>
+          <p:cNvGraphicFramePr/>
+          <p:nvPr>
+            <p:extLst>
+              <p:ext uri="{D42A27DB-BD31-4B8C-83A1-F6EECF244321}">
+                <p14:modId xmlns:p14="http://schemas.microsoft.com/office/powerpoint/2010/main" val="3685363181"/>
+              </p:ext>
+            </p:extLst>
+          </p:nvPr>
+        </p:nvGraphicFramePr>
+        <p:xfrm>
+          <a:off x="553720" y="1708963"/>
+          <a:ext cx="7852780" cy="4458060"/>
+        </p:xfrm>
+        <a:graphic>
+          <a:graphicData uri="http://schemas.openxmlformats.org/drawingml/2006/chart">
+            <c:chart xmlns:c="http://schemas.openxmlformats.org/drawingml/2006/chart" xmlns:r="http://schemas.openxmlformats.org/officeDocument/2006/relationships" r:id="rId2"/>
+          </a:graphicData>
+        </a:graphic>
+      </p:graphicFrame>
+      <p:sp>
+        <p:nvSpPr>
+          <p:cNvPr id="13" name="TextBox 12">
+            <a:extLst>
+              <a:ext uri="{FF2B5EF4-FFF2-40B4-BE49-F238E27FC236}">
+                <a16:creationId xmlns:a16="http://schemas.microsoft.com/office/drawing/2014/main" id="{C4A03A19-7206-41B9-AA01-14A49E7D74EA}"/>
+              </a:ext>
+            </a:extLst>
+          </p:cNvPr>
+          <p:cNvSpPr txBox="1"/>
+          <p:nvPr/>
+        </p:nvSpPr>
+        <p:spPr>
+          <a:xfrm>
+            <a:off x="10623795" y="3686331"/>
+            <a:ext cx="1134319" cy="338554"/>
+          </a:xfrm>
+          <a:prstGeom prst="rect">
+            <a:avLst/>
+          </a:prstGeom>
+          <a:noFill/>
+        </p:spPr>
+        <p:txBody>
+          <a:bodyPr wrap="square" rtlCol="0">
+            <a:spAutoFit/>
+          </a:bodyPr>
+          <a:lstStyle/>
+          <a:p>
+            <a:r>
+              <a:rPr lang="en-US" sz="1600" dirty="0">
+                <a:solidFill>
+                  <a:srgbClr val="649CBF"/>
+                </a:solidFill>
+              </a:rPr>
+              <a:t>1536x1086</a:t>
+            </a:r>
+            <a:endParaRPr lang="uk-UA" sz="1600" dirty="0">
+              <a:solidFill>
+                <a:srgbClr val="649CBF"/>
+              </a:solidFill>
+            </a:endParaRPr>
           </a:p>
         </p:txBody>
       </p:sp>
       <p:pic>
         <p:nvPicPr>
-          <p:cNvPr id="12" name="Picture 11">
-            <a:extLst>
-              <a:ext uri="{FF2B5EF4-FFF2-40B4-BE49-F238E27FC236}">
-                <a16:creationId xmlns:a16="http://schemas.microsoft.com/office/drawing/2014/main" id="{FCE9656C-A7A8-4619-BBF4-7B7639DC6D28}"/>
+          <p:cNvPr id="3" name="Picture 2">
+            <a:extLst>
+              <a:ext uri="{FF2B5EF4-FFF2-40B4-BE49-F238E27FC236}">
+                <a16:creationId xmlns:a16="http://schemas.microsoft.com/office/drawing/2014/main" id="{28B56BBE-3B8B-4FBA-80EF-0B6B45E3398E}"/>
               </a:ext>
             </a:extLst>
           </p:cNvPr>
@@ -7030,115 +7850,67 @@
           <p:nvPr/>
         </p:nvPicPr>
         <p:blipFill>
-          <a:blip r:embed="rId2"/>
+          <a:blip r:embed="rId3">
+            <a:extLst>
+              <a:ext uri="{28A0092B-C50C-407E-A947-70E740481C1C}">
+                <a14:useLocalDpi xmlns:a14="http://schemas.microsoft.com/office/drawing/2010/main" val="0"/>
+              </a:ext>
+            </a:extLst>
+          </a:blip>
           <a:stretch>
             <a:fillRect/>
           </a:stretch>
         </p:blipFill>
         <p:spPr>
           <a:xfrm>
-            <a:off x="712026" y="1383334"/>
-            <a:ext cx="5192361" cy="3665864"/>
+            <a:off x="8406500" y="1180880"/>
+            <a:ext cx="3351614" cy="2369696"/>
           </a:xfrm>
           <a:prstGeom prst="rect">
             <a:avLst/>
           </a:prstGeom>
         </p:spPr>
       </p:pic>
-      <p:pic>
-        <p:nvPicPr>
-          <p:cNvPr id="14" name="Picture 13">
-            <a:extLst>
-              <a:ext uri="{FF2B5EF4-FFF2-40B4-BE49-F238E27FC236}">
-                <a16:creationId xmlns:a16="http://schemas.microsoft.com/office/drawing/2014/main" id="{8726AF34-3CB8-4035-9AD3-375CB2E0A4FA}"/>
-              </a:ext>
-            </a:extLst>
-          </p:cNvPr>
-          <p:cNvPicPr>
-            <a:picLocks noChangeAspect="1"/>
-          </p:cNvPicPr>
+      <p:sp>
+        <p:nvSpPr>
+          <p:cNvPr id="7" name="TextBox 6">
+            <a:extLst>
+              <a:ext uri="{FF2B5EF4-FFF2-40B4-BE49-F238E27FC236}">
+                <a16:creationId xmlns:a16="http://schemas.microsoft.com/office/drawing/2014/main" id="{DA224583-0E0B-416A-A588-4CA39BD2EC59}"/>
+              </a:ext>
+            </a:extLst>
+          </p:cNvPr>
+          <p:cNvSpPr txBox="1"/>
           <p:nvPr/>
-        </p:nvPicPr>
-        <p:blipFill>
-          <a:blip r:embed="rId3"/>
-          <a:stretch>
-            <a:fillRect/>
-          </a:stretch>
-        </p:blipFill>
+        </p:nvSpPr>
         <p:spPr>
           <a:xfrm>
-            <a:off x="6327492" y="1383334"/>
-            <a:ext cx="5152482" cy="3665864"/>
+            <a:off x="11149781" y="6341806"/>
+            <a:ext cx="594021" cy="369332"/>
           </a:xfrm>
           <a:prstGeom prst="rect">
             <a:avLst/>
           </a:prstGeom>
+          <a:noFill/>
         </p:spPr>
-      </p:pic>
-      <p:pic>
-        <p:nvPicPr>
-          <p:cNvPr id="16" name="Picture 15">
-            <a:extLst>
-              <a:ext uri="{FF2B5EF4-FFF2-40B4-BE49-F238E27FC236}">
-                <a16:creationId xmlns:a16="http://schemas.microsoft.com/office/drawing/2014/main" id="{71423C67-30D1-49D7-95F6-67F6C6F74653}"/>
-              </a:ext>
-            </a:extLst>
-          </p:cNvPr>
-          <p:cNvPicPr>
-            <a:picLocks noChangeAspect="1"/>
-          </p:cNvPicPr>
-          <p:nvPr/>
-        </p:nvPicPr>
-        <p:blipFill>
-          <a:blip r:embed="rId4"/>
-          <a:stretch>
-            <a:fillRect/>
-          </a:stretch>
-        </p:blipFill>
-        <p:spPr>
-          <a:xfrm>
-            <a:off x="1393234" y="4210570"/>
-            <a:ext cx="3424804" cy="2296050"/>
-          </a:xfrm>
-          <a:prstGeom prst="rect">
-            <a:avLst/>
-          </a:prstGeom>
-        </p:spPr>
-      </p:pic>
-      <p:pic>
-        <p:nvPicPr>
-          <p:cNvPr id="18" name="Picture 17">
-            <a:extLst>
-              <a:ext uri="{FF2B5EF4-FFF2-40B4-BE49-F238E27FC236}">
-                <a16:creationId xmlns:a16="http://schemas.microsoft.com/office/drawing/2014/main" id="{53B2B656-38E5-4E1E-8FB4-95A466174276}"/>
-              </a:ext>
-            </a:extLst>
-          </p:cNvPr>
-          <p:cNvPicPr>
-            <a:picLocks noChangeAspect="1"/>
-          </p:cNvPicPr>
-          <p:nvPr/>
-        </p:nvPicPr>
-        <p:blipFill>
-          <a:blip r:embed="rId5"/>
-          <a:stretch>
-            <a:fillRect/>
-          </a:stretch>
-        </p:blipFill>
-        <p:spPr>
-          <a:xfrm>
-            <a:off x="7172975" y="4109632"/>
-            <a:ext cx="3934917" cy="2690597"/>
-          </a:xfrm>
-          <a:prstGeom prst="rect">
-            <a:avLst/>
-          </a:prstGeom>
-        </p:spPr>
-      </p:pic>
+        <p:txBody>
+          <a:bodyPr wrap="square" rtlCol="0">
+            <a:spAutoFit/>
+          </a:bodyPr>
+          <a:lstStyle/>
+          <a:p>
+            <a:fld id="{5BBD6B9B-B0DF-4DAF-8DCF-9B69419DEA99}" type="slidenum">
+              <a:rPr lang="uk-UA" smtClean="0"/>
+              <a:t>5</a:t>
+            </a:fld>
+            <a:endParaRPr lang="uk-UA" dirty="0"/>
+          </a:p>
+        </p:txBody>
+      </p:sp>
     </p:spTree>
     <p:extLst>
       <p:ext uri="{BB962C8B-B14F-4D97-AF65-F5344CB8AC3E}">
-        <p14:creationId xmlns:p14="http://schemas.microsoft.com/office/powerpoint/2010/main" val="3847488507"/>
+        <p14:creationId xmlns:p14="http://schemas.microsoft.com/office/powerpoint/2010/main" val="47763360"/>
       </p:ext>
     </p:extLst>
   </p:cSld>
@@ -7178,7 +7950,7 @@
           <p:cNvPr id="4" name="Title 1">
             <a:extLst>
               <a:ext uri="{FF2B5EF4-FFF2-40B4-BE49-F238E27FC236}">
-                <a16:creationId xmlns:a16="http://schemas.microsoft.com/office/drawing/2014/main" id="{E85215B4-7E8E-4A68-8A7F-3177AB4C6340}"/>
+                <a16:creationId xmlns:a16="http://schemas.microsoft.com/office/drawing/2014/main" id="{AEF9CC87-4B82-409B-91F6-A35EFEA53A30}"/>
               </a:ext>
             </a:extLst>
           </p:cNvPr>
@@ -7189,8 +7961,8 @@
         </p:nvSpPr>
         <p:spPr>
           <a:xfrm>
-            <a:off x="599527" y="57771"/>
-            <a:ext cx="8900425" cy="1325563"/>
+            <a:off x="544663" y="331206"/>
+            <a:ext cx="11199139" cy="1325563"/>
           </a:xfrm>
           <a:prstGeom prst="rect">
             <a:avLst/>
@@ -7221,22 +7993,53 @@
           </a:lstStyle>
           <a:p>
             <a:r>
-              <a:rPr lang="uk-UA" sz="5400" dirty="0">
+              <a:rPr lang="uk-UA" sz="4000" dirty="0">
                 <a:solidFill>
                   <a:srgbClr val="4C7BA7"/>
                 </a:solidFill>
               </a:rPr>
-              <a:t>Підтримка</a:t>
-            </a:r>
+              <a:t>Порівняння якості зображення </a:t>
+            </a:r>
+            <a:r>
+              <a:rPr lang="en-US" sz="4000" dirty="0">
+                <a:solidFill>
+                  <a:srgbClr val="4C7BA7"/>
+                </a:solidFill>
+              </a:rPr>
+              <a:t>JPEG </a:t>
+            </a:r>
+            <a:r>
+              <a:rPr lang="uk-UA" sz="4000" dirty="0">
+                <a:solidFill>
+                  <a:srgbClr val="4C7BA7"/>
+                </a:solidFill>
+              </a:rPr>
+              <a:t>та </a:t>
+            </a:r>
+            <a:r>
+              <a:rPr lang="en-US" sz="4000" dirty="0">
+                <a:solidFill>
+                  <a:srgbClr val="4C7BA7"/>
+                </a:solidFill>
+              </a:rPr>
+              <a:t>AVIF</a:t>
+            </a:r>
+          </a:p>
+          <a:p>
+            <a:endParaRPr lang="uk-UA" sz="4000" dirty="0">
+              <a:solidFill>
+                <a:srgbClr val="4C7BA7"/>
+              </a:solidFill>
+            </a:endParaRPr>
           </a:p>
         </p:txBody>
       </p:sp>
       <p:pic>
         <p:nvPicPr>
-          <p:cNvPr id="7" name="Picture 6">
-            <a:extLst>
-              <a:ext uri="{FF2B5EF4-FFF2-40B4-BE49-F238E27FC236}">
-                <a16:creationId xmlns:a16="http://schemas.microsoft.com/office/drawing/2014/main" id="{8EA6415E-CECA-4F57-89A2-C60F5F4F76D0}"/>
+          <p:cNvPr id="12" name="Picture 11">
+            <a:extLst>
+              <a:ext uri="{FF2B5EF4-FFF2-40B4-BE49-F238E27FC236}">
+                <a16:creationId xmlns:a16="http://schemas.microsoft.com/office/drawing/2014/main" id="{FCE9656C-A7A8-4619-BBF4-7B7639DC6D28}"/>
               </a:ext>
             </a:extLst>
           </p:cNvPr>
@@ -7253,20 +8056,110 @@
         </p:blipFill>
         <p:spPr>
           <a:xfrm>
-            <a:off x="1757069" y="1459762"/>
-            <a:ext cx="9113520" cy="2040101"/>
+            <a:off x="712026" y="1383334"/>
+            <a:ext cx="5192361" cy="3665864"/>
           </a:xfrm>
           <a:prstGeom prst="rect">
             <a:avLst/>
           </a:prstGeom>
         </p:spPr>
       </p:pic>
-      <p:sp>
-        <p:nvSpPr>
-          <p:cNvPr id="8" name="TextBox 7">
-            <a:extLst>
-              <a:ext uri="{FF2B5EF4-FFF2-40B4-BE49-F238E27FC236}">
-                <a16:creationId xmlns:a16="http://schemas.microsoft.com/office/drawing/2014/main" id="{0F6F1063-C607-4723-9122-7BC309E01C33}"/>
+      <p:pic>
+        <p:nvPicPr>
+          <p:cNvPr id="14" name="Picture 13">
+            <a:extLst>
+              <a:ext uri="{FF2B5EF4-FFF2-40B4-BE49-F238E27FC236}">
+                <a16:creationId xmlns:a16="http://schemas.microsoft.com/office/drawing/2014/main" id="{8726AF34-3CB8-4035-9AD3-375CB2E0A4FA}"/>
+              </a:ext>
+            </a:extLst>
+          </p:cNvPr>
+          <p:cNvPicPr>
+            <a:picLocks noChangeAspect="1"/>
+          </p:cNvPicPr>
+          <p:nvPr/>
+        </p:nvPicPr>
+        <p:blipFill>
+          <a:blip r:embed="rId3"/>
+          <a:stretch>
+            <a:fillRect/>
+          </a:stretch>
+        </p:blipFill>
+        <p:spPr>
+          <a:xfrm>
+            <a:off x="6327492" y="1383334"/>
+            <a:ext cx="5152482" cy="3665864"/>
+          </a:xfrm>
+          <a:prstGeom prst="rect">
+            <a:avLst/>
+          </a:prstGeom>
+        </p:spPr>
+      </p:pic>
+      <p:pic>
+        <p:nvPicPr>
+          <p:cNvPr id="16" name="Picture 15">
+            <a:extLst>
+              <a:ext uri="{FF2B5EF4-FFF2-40B4-BE49-F238E27FC236}">
+                <a16:creationId xmlns:a16="http://schemas.microsoft.com/office/drawing/2014/main" id="{71423C67-30D1-49D7-95F6-67F6C6F74653}"/>
+              </a:ext>
+            </a:extLst>
+          </p:cNvPr>
+          <p:cNvPicPr>
+            <a:picLocks noChangeAspect="1"/>
+          </p:cNvPicPr>
+          <p:nvPr/>
+        </p:nvPicPr>
+        <p:blipFill>
+          <a:blip r:embed="rId4"/>
+          <a:stretch>
+            <a:fillRect/>
+          </a:stretch>
+        </p:blipFill>
+        <p:spPr>
+          <a:xfrm>
+            <a:off x="2515034" y="3901173"/>
+            <a:ext cx="3424804" cy="2296050"/>
+          </a:xfrm>
+          <a:prstGeom prst="rect">
+            <a:avLst/>
+          </a:prstGeom>
+        </p:spPr>
+      </p:pic>
+      <p:pic>
+        <p:nvPicPr>
+          <p:cNvPr id="18" name="Picture 17">
+            <a:extLst>
+              <a:ext uri="{FF2B5EF4-FFF2-40B4-BE49-F238E27FC236}">
+                <a16:creationId xmlns:a16="http://schemas.microsoft.com/office/drawing/2014/main" id="{53B2B656-38E5-4E1E-8FB4-95A466174276}"/>
+              </a:ext>
+            </a:extLst>
+          </p:cNvPr>
+          <p:cNvPicPr>
+            <a:picLocks noChangeAspect="1"/>
+          </p:cNvPicPr>
+          <p:nvPr/>
+        </p:nvPicPr>
+        <p:blipFill>
+          <a:blip r:embed="rId5"/>
+          <a:stretch>
+            <a:fillRect/>
+          </a:stretch>
+        </p:blipFill>
+        <p:spPr>
+          <a:xfrm>
+            <a:off x="5939838" y="3901173"/>
+            <a:ext cx="3357905" cy="2296050"/>
+          </a:xfrm>
+          <a:prstGeom prst="rect">
+            <a:avLst/>
+          </a:prstGeom>
+        </p:spPr>
+      </p:pic>
+      <p:sp>
+        <p:nvSpPr>
+          <p:cNvPr id="7" name="TextBox 6">
+            <a:extLst>
+              <a:ext uri="{FF2B5EF4-FFF2-40B4-BE49-F238E27FC236}">
+                <a16:creationId xmlns:a16="http://schemas.microsoft.com/office/drawing/2014/main" id="{E1BD29E3-0BD4-4B37-A024-9A014C789DBC}"/>
               </a:ext>
             </a:extLst>
           </p:cNvPr>
@@ -7275,8 +8168,8 @@
         </p:nvSpPr>
         <p:spPr>
           <a:xfrm>
-            <a:off x="599527" y="3943880"/>
-            <a:ext cx="4063913" cy="1754326"/>
+            <a:off x="11149781" y="6341806"/>
+            <a:ext cx="594021" cy="369332"/>
           </a:xfrm>
           <a:prstGeom prst="rect">
             <a:avLst/>
@@ -7289,92 +8182,20 @@
           </a:bodyPr>
           <a:lstStyle/>
           <a:p>
-            <a:r>
-              <a:rPr lang="en-US" dirty="0"/>
-              <a:t>Adobe Photoshop – </a:t>
-            </a:r>
-            <a:r>
-              <a:rPr lang="uk-UA" dirty="0"/>
-              <a:t>Червень</a:t>
-            </a:r>
-            <a:r>
-              <a:rPr lang="en-US" dirty="0"/>
-              <a:t> 2025</a:t>
-            </a:r>
-          </a:p>
-          <a:p>
-            <a:r>
-              <a:rPr lang="en-US" dirty="0"/>
-              <a:t>Adobe </a:t>
-            </a:r>
-            <a:r>
-              <a:rPr lang="en-US" dirty="0" err="1"/>
-              <a:t>Illustator</a:t>
-            </a:r>
-            <a:r>
-              <a:rPr lang="en-US" dirty="0"/>
-              <a:t> – </a:t>
-            </a:r>
-            <a:r>
-              <a:rPr lang="uk-UA" dirty="0"/>
-              <a:t>Травень 2022</a:t>
-            </a:r>
-            <a:endParaRPr lang="en-US" dirty="0"/>
-          </a:p>
-          <a:p>
-            <a:r>
-              <a:rPr lang="en-US" dirty="0"/>
-              <a:t>GIMP –</a:t>
-            </a:r>
-            <a:r>
-              <a:rPr lang="uk-UA" dirty="0"/>
-              <a:t> Жовтень </a:t>
-            </a:r>
-            <a:r>
-              <a:rPr lang="en-US" dirty="0"/>
-              <a:t>2020</a:t>
-            </a:r>
-          </a:p>
-          <a:p>
-            <a:r>
-              <a:rPr lang="en-US" dirty="0" err="1"/>
-              <a:t>FFmpeg</a:t>
-            </a:r>
-            <a:endParaRPr lang="en-US" dirty="0"/>
-          </a:p>
-          <a:p>
-            <a:r>
-              <a:rPr lang="en-US" dirty="0"/>
-              <a:t>Windows/Android/Apple/ Linux</a:t>
-            </a:r>
-            <a:r>
-              <a:rPr lang="uk-UA" dirty="0"/>
-              <a:t> </a:t>
-            </a:r>
-            <a:endParaRPr lang="en-US" dirty="0"/>
-          </a:p>
-          <a:p>
-            <a:r>
-              <a:rPr lang="en-US" dirty="0"/>
-              <a:t>Discord – </a:t>
-            </a:r>
-            <a:r>
-              <a:rPr lang="uk-UA" dirty="0"/>
-              <a:t>Березень </a:t>
-            </a:r>
-            <a:r>
-              <a:rPr lang="en-US" dirty="0"/>
-              <a:t>2025</a:t>
-            </a:r>
-          </a:p>
-        </p:txBody>
-      </p:sp>
-      <p:sp>
-        <p:nvSpPr>
-          <p:cNvPr id="9" name="TextBox 8">
-            <a:extLst>
-              <a:ext uri="{FF2B5EF4-FFF2-40B4-BE49-F238E27FC236}">
-                <a16:creationId xmlns:a16="http://schemas.microsoft.com/office/drawing/2014/main" id="{22A16E34-2C74-4F08-A904-A19DD2707BAD}"/>
+            <a:fld id="{5BBD6B9B-B0DF-4DAF-8DCF-9B69419DEA99}" type="slidenum">
+              <a:rPr lang="uk-UA" smtClean="0"/>
+              <a:t>6</a:t>
+            </a:fld>
+            <a:endParaRPr lang="uk-UA" dirty="0"/>
+          </a:p>
+        </p:txBody>
+      </p:sp>
+      <p:sp>
+        <p:nvSpPr>
+          <p:cNvPr id="8" name="TextBox 7">
+            <a:extLst>
+              <a:ext uri="{FF2B5EF4-FFF2-40B4-BE49-F238E27FC236}">
+                <a16:creationId xmlns:a16="http://schemas.microsoft.com/office/drawing/2014/main" id="{D49DC2C8-F6C5-4460-8109-6A1A86774E06}"/>
               </a:ext>
             </a:extLst>
           </p:cNvPr>
@@ -7399,64 +8220,98 @@
           <a:p>
             <a:r>
               <a:rPr lang="uk-UA" sz="1400" dirty="0"/>
-              <a:t>Інформація з</a:t>
+              <a:t>Картинка з</a:t>
             </a:r>
             <a:r>
               <a:rPr lang="en-US" sz="1400" dirty="0"/>
-              <a:t>: https://en.wikipedia.org/wiki/AV1</a:t>
+              <a:t>: https://topdogfilmfestival.com.au/the-science-behind-why-dogs-are-so-cute/</a:t>
             </a:r>
             <a:r>
               <a:rPr lang="uk-UA" sz="1400" dirty="0"/>
-              <a:t> та </a:t>
+              <a:t>, Застосунок</a:t>
             </a:r>
             <a:r>
               <a:rPr lang="en-US" sz="1400" dirty="0"/>
-              <a:t>https://caniuse.com/avif</a:t>
+              <a:t>: https://squoosh.app/editor</a:t>
             </a:r>
             <a:endParaRPr lang="uk-UA" sz="1400" dirty="0"/>
           </a:p>
         </p:txBody>
       </p:sp>
-      <p:pic>
-        <p:nvPicPr>
-          <p:cNvPr id="15" name="Picture 14">
-            <a:extLst>
-              <a:ext uri="{FF2B5EF4-FFF2-40B4-BE49-F238E27FC236}">
-                <a16:creationId xmlns:a16="http://schemas.microsoft.com/office/drawing/2014/main" id="{07274D33-BF5E-468E-98EC-068436D48463}"/>
-              </a:ext>
-            </a:extLst>
-          </p:cNvPr>
-          <p:cNvPicPr>
-            <a:picLocks noChangeAspect="1"/>
-          </p:cNvPicPr>
+      <p:sp>
+        <p:nvSpPr>
+          <p:cNvPr id="9" name="TextBox 8">
+            <a:extLst>
+              <a:ext uri="{FF2B5EF4-FFF2-40B4-BE49-F238E27FC236}">
+                <a16:creationId xmlns:a16="http://schemas.microsoft.com/office/drawing/2014/main" id="{C9F060EC-3B11-4ED0-9D4F-DCA080525B36}"/>
+              </a:ext>
+            </a:extLst>
+          </p:cNvPr>
+          <p:cNvSpPr txBox="1"/>
           <p:nvPr/>
-        </p:nvPicPr>
-        <p:blipFill>
-          <a:blip r:embed="rId3">
-            <a:extLst>
-              <a:ext uri="{28A0092B-C50C-407E-A947-70E740481C1C}">
-                <a14:useLocalDpi xmlns:a14="http://schemas.microsoft.com/office/drawing/2010/main" val="0"/>
-              </a:ext>
-            </a:extLst>
-          </a:blip>
-          <a:stretch>
-            <a:fillRect/>
-          </a:stretch>
-        </p:blipFill>
+        </p:nvSpPr>
         <p:spPr>
           <a:xfrm>
-            <a:off x="6313829" y="3594364"/>
-            <a:ext cx="5779347" cy="3059654"/>
+            <a:off x="10028865" y="5324030"/>
+            <a:ext cx="719987" cy="369332"/>
           </a:xfrm>
           <a:prstGeom prst="rect">
             <a:avLst/>
           </a:prstGeom>
+          <a:noFill/>
         </p:spPr>
-      </p:pic>
+        <p:txBody>
+          <a:bodyPr wrap="square" rtlCol="0">
+            <a:spAutoFit/>
+          </a:bodyPr>
+          <a:lstStyle/>
+          <a:p>
+            <a:r>
+              <a:rPr lang="en-US" dirty="0"/>
+              <a:t>AVIF</a:t>
+            </a:r>
+          </a:p>
+        </p:txBody>
+      </p:sp>
+      <p:sp>
+        <p:nvSpPr>
+          <p:cNvPr id="10" name="TextBox 9">
+            <a:extLst>
+              <a:ext uri="{FF2B5EF4-FFF2-40B4-BE49-F238E27FC236}">
+                <a16:creationId xmlns:a16="http://schemas.microsoft.com/office/drawing/2014/main" id="{0B1EAF0C-AF4D-446D-BFA1-7C252EF6070F}"/>
+              </a:ext>
+            </a:extLst>
+          </p:cNvPr>
+          <p:cNvSpPr txBox="1"/>
+          <p:nvPr/>
+        </p:nvSpPr>
+        <p:spPr>
+          <a:xfrm>
+            <a:off x="1253537" y="5324030"/>
+            <a:ext cx="719987" cy="369332"/>
+          </a:xfrm>
+          <a:prstGeom prst="rect">
+            <a:avLst/>
+          </a:prstGeom>
+          <a:noFill/>
+        </p:spPr>
+        <p:txBody>
+          <a:bodyPr wrap="square" rtlCol="0">
+            <a:spAutoFit/>
+          </a:bodyPr>
+          <a:lstStyle/>
+          <a:p>
+            <a:r>
+              <a:rPr lang="en-US" dirty="0"/>
+              <a:t>JPG</a:t>
+            </a:r>
+          </a:p>
+        </p:txBody>
+      </p:sp>
     </p:spTree>
     <p:extLst>
       <p:ext uri="{BB962C8B-B14F-4D97-AF65-F5344CB8AC3E}">
-        <p14:creationId xmlns:p14="http://schemas.microsoft.com/office/powerpoint/2010/main" val="285137124"/>
+        <p14:creationId xmlns:p14="http://schemas.microsoft.com/office/powerpoint/2010/main" val="3847488507"/>
       </p:ext>
     </p:extLst>
   </p:cSld>
@@ -7508,7 +8363,7 @@
         <p:spPr>
           <a:xfrm>
             <a:off x="599527" y="57771"/>
-            <a:ext cx="9535073" cy="1325563"/>
+            <a:ext cx="8900425" cy="1325563"/>
           </a:xfrm>
           <a:prstGeom prst="rect">
             <a:avLst/>
@@ -7544,17 +8399,17 @@
                   <a:srgbClr val="4C7BA7"/>
                 </a:solidFill>
               </a:rPr>
-              <a:t>Переведення з інших форматів</a:t>
+              <a:t>Підтримка</a:t>
             </a:r>
           </a:p>
         </p:txBody>
       </p:sp>
       <p:pic>
         <p:nvPicPr>
-          <p:cNvPr id="3" name="Graphic 2">
-            <a:extLst>
-              <a:ext uri="{FF2B5EF4-FFF2-40B4-BE49-F238E27FC236}">
-                <a16:creationId xmlns:a16="http://schemas.microsoft.com/office/drawing/2014/main" id="{25281679-3B62-4B1D-A989-BF47F1B76AD8}"/>
+          <p:cNvPr id="7" name="Picture 6">
+            <a:extLst>
+              <a:ext uri="{FF2B5EF4-FFF2-40B4-BE49-F238E27FC236}">
+                <a16:creationId xmlns:a16="http://schemas.microsoft.com/office/drawing/2014/main" id="{8EA6415E-CECA-4F57-89A2-C60F5F4F76D0}"/>
               </a:ext>
             </a:extLst>
           </p:cNvPr>
@@ -7564,13 +8419,196 @@
           <p:nvPr/>
         </p:nvPicPr>
         <p:blipFill>
-          <a:blip r:embed="rId2">
+          <a:blip r:embed="rId2"/>
+          <a:stretch>
+            <a:fillRect/>
+          </a:stretch>
+        </p:blipFill>
+        <p:spPr>
+          <a:xfrm>
+            <a:off x="1757069" y="1459762"/>
+            <a:ext cx="9113520" cy="2040101"/>
+          </a:xfrm>
+          <a:prstGeom prst="rect">
+            <a:avLst/>
+          </a:prstGeom>
+        </p:spPr>
+      </p:pic>
+      <p:sp>
+        <p:nvSpPr>
+          <p:cNvPr id="8" name="TextBox 7">
+            <a:extLst>
+              <a:ext uri="{FF2B5EF4-FFF2-40B4-BE49-F238E27FC236}">
+                <a16:creationId xmlns:a16="http://schemas.microsoft.com/office/drawing/2014/main" id="{0F6F1063-C607-4723-9122-7BC309E01C33}"/>
+              </a:ext>
+            </a:extLst>
+          </p:cNvPr>
+          <p:cNvSpPr txBox="1"/>
+          <p:nvPr/>
+        </p:nvSpPr>
+        <p:spPr>
+          <a:xfrm>
+            <a:off x="599527" y="3943880"/>
+            <a:ext cx="4063913" cy="1754326"/>
+          </a:xfrm>
+          <a:prstGeom prst="rect">
+            <a:avLst/>
+          </a:prstGeom>
+          <a:noFill/>
+        </p:spPr>
+        <p:txBody>
+          <a:bodyPr wrap="square" rtlCol="0">
+            <a:spAutoFit/>
+          </a:bodyPr>
+          <a:lstStyle/>
+          <a:p>
+            <a:r>
+              <a:rPr lang="en-US" dirty="0"/>
+              <a:t>Adobe Photoshop – </a:t>
+            </a:r>
+            <a:r>
+              <a:rPr lang="uk-UA" dirty="0"/>
+              <a:t>Червень</a:t>
+            </a:r>
+            <a:r>
+              <a:rPr lang="en-US" dirty="0"/>
+              <a:t> 2025</a:t>
+            </a:r>
+          </a:p>
+          <a:p>
+            <a:r>
+              <a:rPr lang="en-US" dirty="0"/>
+              <a:t>Adobe </a:t>
+            </a:r>
+            <a:r>
+              <a:rPr lang="en-US" dirty="0" err="1"/>
+              <a:t>Illustator</a:t>
+            </a:r>
+            <a:r>
+              <a:rPr lang="en-US" dirty="0"/>
+              <a:t> – </a:t>
+            </a:r>
+            <a:r>
+              <a:rPr lang="uk-UA" dirty="0"/>
+              <a:t>Травень 2022</a:t>
+            </a:r>
+            <a:endParaRPr lang="en-US" dirty="0"/>
+          </a:p>
+          <a:p>
+            <a:r>
+              <a:rPr lang="en-US" dirty="0"/>
+              <a:t>GIMP –</a:t>
+            </a:r>
+            <a:r>
+              <a:rPr lang="uk-UA" dirty="0"/>
+              <a:t> Жовтень </a:t>
+            </a:r>
+            <a:r>
+              <a:rPr lang="en-US" dirty="0"/>
+              <a:t>2020</a:t>
+            </a:r>
+          </a:p>
+          <a:p>
+            <a:r>
+              <a:rPr lang="en-US" dirty="0" err="1"/>
+              <a:t>FFmpeg</a:t>
+            </a:r>
+            <a:endParaRPr lang="en-US" dirty="0"/>
+          </a:p>
+          <a:p>
+            <a:r>
+              <a:rPr lang="en-US" dirty="0"/>
+              <a:t>Windows/Android/Apple/ Linux</a:t>
+            </a:r>
+            <a:r>
+              <a:rPr lang="uk-UA" dirty="0"/>
+              <a:t> </a:t>
+            </a:r>
+            <a:endParaRPr lang="en-US" dirty="0"/>
+          </a:p>
+          <a:p>
+            <a:r>
+              <a:rPr lang="en-US" dirty="0"/>
+              <a:t>Discord – </a:t>
+            </a:r>
+            <a:r>
+              <a:rPr lang="uk-UA" dirty="0"/>
+              <a:t>Березень </a:t>
+            </a:r>
+            <a:r>
+              <a:rPr lang="en-US" dirty="0"/>
+              <a:t>2025</a:t>
+            </a:r>
+          </a:p>
+        </p:txBody>
+      </p:sp>
+      <p:sp>
+        <p:nvSpPr>
+          <p:cNvPr id="9" name="TextBox 8">
+            <a:extLst>
+              <a:ext uri="{FF2B5EF4-FFF2-40B4-BE49-F238E27FC236}">
+                <a16:creationId xmlns:a16="http://schemas.microsoft.com/office/drawing/2014/main" id="{22A16E34-2C74-4F08-A904-A19DD2707BAD}"/>
+              </a:ext>
+            </a:extLst>
+          </p:cNvPr>
+          <p:cNvSpPr txBox="1"/>
+          <p:nvPr/>
+        </p:nvSpPr>
+        <p:spPr>
+          <a:xfrm>
+            <a:off x="358911" y="6472055"/>
+            <a:ext cx="10905218" cy="307777"/>
+          </a:xfrm>
+          <a:prstGeom prst="rect">
+            <a:avLst/>
+          </a:prstGeom>
+          <a:noFill/>
+        </p:spPr>
+        <p:txBody>
+          <a:bodyPr wrap="square" rtlCol="0">
+            <a:spAutoFit/>
+          </a:bodyPr>
+          <a:lstStyle/>
+          <a:p>
+            <a:r>
+              <a:rPr lang="uk-UA" sz="1400" dirty="0"/>
+              <a:t>Інформація з</a:t>
+            </a:r>
+            <a:r>
+              <a:rPr lang="en-US" sz="1400" dirty="0"/>
+              <a:t>: https://en.wikipedia.org/wiki/AV1</a:t>
+            </a:r>
+            <a:r>
+              <a:rPr lang="uk-UA" sz="1400" dirty="0"/>
+              <a:t> та </a:t>
+            </a:r>
+            <a:r>
+              <a:rPr lang="en-US" sz="1400" dirty="0"/>
+              <a:t>https://caniuse.com/avif</a:t>
+            </a:r>
+            <a:endParaRPr lang="uk-UA" sz="1400" dirty="0"/>
+          </a:p>
+        </p:txBody>
+      </p:sp>
+      <p:pic>
+        <p:nvPicPr>
+          <p:cNvPr id="15" name="Picture 14">
+            <a:extLst>
+              <a:ext uri="{FF2B5EF4-FFF2-40B4-BE49-F238E27FC236}">
+                <a16:creationId xmlns:a16="http://schemas.microsoft.com/office/drawing/2014/main" id="{07274D33-BF5E-468E-98EC-068436D48463}"/>
+              </a:ext>
+            </a:extLst>
+          </p:cNvPr>
+          <p:cNvPicPr>
+            <a:picLocks noChangeAspect="1"/>
+          </p:cNvPicPr>
+          <p:nvPr/>
+        </p:nvPicPr>
+        <p:blipFill>
+          <a:blip r:embed="rId3">
             <a:extLst>
               <a:ext uri="{28A0092B-C50C-407E-A947-70E740481C1C}">
                 <a14:useLocalDpi xmlns:a14="http://schemas.microsoft.com/office/drawing/2010/main" val="0"/>
-              </a:ext>
-              <a:ext uri="{96DAC541-7B7A-43D3-8B79-37D633B846F1}">
-                <asvg:svgBlip xmlns:asvg="http://schemas.microsoft.com/office/drawing/2016/SVG/main" r:embed="rId3"/>
               </a:ext>
             </a:extLst>
           </a:blip>
@@ -7580,8 +8618,8 @@
         </p:blipFill>
         <p:spPr>
           <a:xfrm>
-            <a:off x="717550" y="2188130"/>
-            <a:ext cx="3841750" cy="1152525"/>
+            <a:off x="6313829" y="3594364"/>
+            <a:ext cx="5779347" cy="3059654"/>
           </a:xfrm>
           <a:prstGeom prst="rect">
             <a:avLst/>
@@ -7590,10 +8628,10 @@
       </p:pic>
       <p:sp>
         <p:nvSpPr>
-          <p:cNvPr id="11" name="TextBox 10">
-            <a:extLst>
-              <a:ext uri="{FF2B5EF4-FFF2-40B4-BE49-F238E27FC236}">
-                <a16:creationId xmlns:a16="http://schemas.microsoft.com/office/drawing/2014/main" id="{F0AECC7E-C890-4D0B-973B-1F0C0CC6B1BE}"/>
+          <p:cNvPr id="10" name="TextBox 9">
+            <a:extLst>
+              <a:ext uri="{FF2B5EF4-FFF2-40B4-BE49-F238E27FC236}">
+                <a16:creationId xmlns:a16="http://schemas.microsoft.com/office/drawing/2014/main" id="{CEEDA695-6C6C-46E6-9A8C-A61C41768B07}"/>
               </a:ext>
             </a:extLst>
           </p:cNvPr>
@@ -7602,8 +8640,8 @@
         </p:nvSpPr>
         <p:spPr>
           <a:xfrm>
-            <a:off x="599526" y="3669268"/>
-            <a:ext cx="3527973" cy="1200329"/>
+            <a:off x="11149781" y="6341806"/>
+            <a:ext cx="594021" cy="369332"/>
           </a:xfrm>
           <a:prstGeom prst="rect">
             <a:avLst/>
@@ -7611,183 +8649,23 @@
           <a:noFill/>
         </p:spPr>
         <p:txBody>
-          <a:bodyPr wrap="square">
+          <a:bodyPr wrap="square" rtlCol="0">
             <a:spAutoFit/>
           </a:bodyPr>
           <a:lstStyle/>
           <a:p>
-            <a:r>
-              <a:rPr lang="uk-UA" dirty="0"/>
-              <a:t>https://squoosh.app</a:t>
-            </a:r>
-            <a:br>
-              <a:rPr lang="en-US" dirty="0"/>
-            </a:br>
-            <a:br>
-              <a:rPr lang="en-US" dirty="0"/>
-            </a:br>
-            <a:r>
-              <a:rPr lang="en-US" dirty="0"/>
-              <a:t>https://github.com/GoogleChromeLabs/squoosh</a:t>
-            </a:r>
+            <a:fld id="{5BBD6B9B-B0DF-4DAF-8DCF-9B69419DEA99}" type="slidenum">
+              <a:rPr lang="uk-UA" smtClean="0"/>
+              <a:t>7</a:t>
+            </a:fld>
             <a:endParaRPr lang="uk-UA" dirty="0"/>
-          </a:p>
-        </p:txBody>
-      </p:sp>
-      <p:pic>
-        <p:nvPicPr>
-          <p:cNvPr id="12" name="Picture 11">
-            <a:extLst>
-              <a:ext uri="{FF2B5EF4-FFF2-40B4-BE49-F238E27FC236}">
-                <a16:creationId xmlns:a16="http://schemas.microsoft.com/office/drawing/2014/main" id="{1D58B097-B6F4-4912-9616-BC5F40E58B01}"/>
-              </a:ext>
-            </a:extLst>
-          </p:cNvPr>
-          <p:cNvPicPr>
-            <a:picLocks noChangeAspect="1"/>
-          </p:cNvPicPr>
-          <p:nvPr/>
-        </p:nvPicPr>
-        <p:blipFill>
-          <a:blip r:embed="rId4">
-            <a:extLst>
-              <a:ext uri="{28A0092B-C50C-407E-A947-70E740481C1C}">
-                <a14:useLocalDpi xmlns:a14="http://schemas.microsoft.com/office/drawing/2010/main" val="0"/>
-              </a:ext>
-            </a:extLst>
-          </a:blip>
-          <a:stretch>
-            <a:fillRect/>
-          </a:stretch>
-        </p:blipFill>
-        <p:spPr>
-          <a:xfrm>
-            <a:off x="7632702" y="2221572"/>
-            <a:ext cx="3194050" cy="1119083"/>
-          </a:xfrm>
-          <a:prstGeom prst="rect">
-            <a:avLst/>
-          </a:prstGeom>
-        </p:spPr>
-      </p:pic>
-      <p:sp>
-        <p:nvSpPr>
-          <p:cNvPr id="16" name="TextBox 15">
-            <a:extLst>
-              <a:ext uri="{FF2B5EF4-FFF2-40B4-BE49-F238E27FC236}">
-                <a16:creationId xmlns:a16="http://schemas.microsoft.com/office/drawing/2014/main" id="{0044ABCA-08D1-4FE2-9531-5AED6A38BC00}"/>
-              </a:ext>
-            </a:extLst>
-          </p:cNvPr>
-          <p:cNvSpPr txBox="1"/>
-          <p:nvPr/>
-        </p:nvSpPr>
-        <p:spPr>
-          <a:xfrm>
-            <a:off x="8024815" y="3669268"/>
-            <a:ext cx="2801937" cy="646331"/>
-          </a:xfrm>
-          <a:prstGeom prst="rect">
-            <a:avLst/>
-          </a:prstGeom>
-          <a:noFill/>
-        </p:spPr>
-        <p:txBody>
-          <a:bodyPr wrap="square">
-            <a:spAutoFit/>
-          </a:bodyPr>
-          <a:lstStyle/>
-          <a:p>
-            <a:r>
-              <a:rPr lang="uk-UA" dirty="0"/>
-              <a:t>https://imageengine.io</a:t>
-            </a:r>
-            <a:endParaRPr lang="en-US" dirty="0"/>
-          </a:p>
-          <a:p>
-            <a:r>
-              <a:rPr lang="en-US" dirty="0"/>
-              <a:t>https://github.com/imgeng</a:t>
-            </a:r>
-            <a:endParaRPr lang="uk-UA" dirty="0"/>
-          </a:p>
-        </p:txBody>
-      </p:sp>
-      <p:pic>
-        <p:nvPicPr>
-          <p:cNvPr id="17" name="Picture 16">
-            <a:extLst>
-              <a:ext uri="{FF2B5EF4-FFF2-40B4-BE49-F238E27FC236}">
-                <a16:creationId xmlns:a16="http://schemas.microsoft.com/office/drawing/2014/main" id="{16A87B98-F9DE-493C-BFDA-BC93A006E561}"/>
-              </a:ext>
-            </a:extLst>
-          </p:cNvPr>
-          <p:cNvPicPr>
-            <a:picLocks noChangeAspect="1"/>
-          </p:cNvPicPr>
-          <p:nvPr/>
-        </p:nvPicPr>
-        <p:blipFill>
-          <a:blip r:embed="rId5">
-            <a:extLst>
-              <a:ext uri="{28A0092B-C50C-407E-A947-70E740481C1C}">
-                <a14:useLocalDpi xmlns:a14="http://schemas.microsoft.com/office/drawing/2010/main" val="0"/>
-              </a:ext>
-            </a:extLst>
-          </a:blip>
-          <a:stretch>
-            <a:fillRect/>
-          </a:stretch>
-        </p:blipFill>
-        <p:spPr>
-          <a:xfrm>
-            <a:off x="4919662" y="3669268"/>
-            <a:ext cx="1533525" cy="1533525"/>
-          </a:xfrm>
-          <a:prstGeom prst="rect">
-            <a:avLst/>
-          </a:prstGeom>
-        </p:spPr>
-      </p:pic>
-      <p:sp>
-        <p:nvSpPr>
-          <p:cNvPr id="19" name="TextBox 18">
-            <a:extLst>
-              <a:ext uri="{FF2B5EF4-FFF2-40B4-BE49-F238E27FC236}">
-                <a16:creationId xmlns:a16="http://schemas.microsoft.com/office/drawing/2014/main" id="{FD5BB9A1-E38A-45C6-97BA-4722CB982B7E}"/>
-              </a:ext>
-            </a:extLst>
-          </p:cNvPr>
-          <p:cNvSpPr txBox="1"/>
-          <p:nvPr/>
-        </p:nvSpPr>
-        <p:spPr>
-          <a:xfrm>
-            <a:off x="4019551" y="5371624"/>
-            <a:ext cx="3762375" cy="369332"/>
-          </a:xfrm>
-          <a:prstGeom prst="rect">
-            <a:avLst/>
-          </a:prstGeom>
-          <a:noFill/>
-        </p:spPr>
-        <p:txBody>
-          <a:bodyPr wrap="square">
-            <a:spAutoFit/>
-          </a:bodyPr>
-          <a:lstStyle/>
-          <a:p>
-            <a:r>
-              <a:rPr lang="uk-UA" dirty="0"/>
-              <a:t>https://github.com/SalOne22/rimage</a:t>
-            </a:r>
           </a:p>
         </p:txBody>
       </p:sp>
     </p:spTree>
     <p:extLst>
       <p:ext uri="{BB962C8B-B14F-4D97-AF65-F5344CB8AC3E}">
-        <p14:creationId xmlns:p14="http://schemas.microsoft.com/office/powerpoint/2010/main" val="4041434231"/>
+        <p14:creationId xmlns:p14="http://schemas.microsoft.com/office/powerpoint/2010/main" val="285137124"/>
       </p:ext>
     </p:extLst>
   </p:cSld>
@@ -7838,8 +8716,8 @@
         </p:nvSpPr>
         <p:spPr>
           <a:xfrm>
-            <a:off x="1" y="0"/>
-            <a:ext cx="12192000" cy="6419850"/>
+            <a:off x="599527" y="57771"/>
+            <a:ext cx="9535073" cy="1325563"/>
           </a:xfrm>
           <a:prstGeom prst="rect">
             <a:avLst/>
@@ -7869,22 +8747,538 @@
             </a:lvl1pPr>
           </a:lstStyle>
           <a:p>
-            <a:pPr algn="ctr"/>
-            <a:r>
-              <a:rPr lang="uk-UA" sz="6600" dirty="0">
+            <a:r>
+              <a:rPr lang="uk-UA" sz="5400" dirty="0">
                 <a:solidFill>
                   <a:srgbClr val="4C7BA7"/>
                 </a:solidFill>
               </a:rPr>
-              <a:t>Дякую за увагу</a:t>
-            </a:r>
+              <a:t>Інструменти</a:t>
+            </a:r>
+          </a:p>
+        </p:txBody>
+      </p:sp>
+      <p:pic>
+        <p:nvPicPr>
+          <p:cNvPr id="3" name="Graphic 2">
+            <a:extLst>
+              <a:ext uri="{FF2B5EF4-FFF2-40B4-BE49-F238E27FC236}">
+                <a16:creationId xmlns:a16="http://schemas.microsoft.com/office/drawing/2014/main" id="{25281679-3B62-4B1D-A989-BF47F1B76AD8}"/>
+              </a:ext>
+            </a:extLst>
+          </p:cNvPr>
+          <p:cNvPicPr>
+            <a:picLocks noChangeAspect="1"/>
+          </p:cNvPicPr>
+          <p:nvPr/>
+        </p:nvPicPr>
+        <p:blipFill>
+          <a:blip r:embed="rId2">
+            <a:extLst>
+              <a:ext uri="{28A0092B-C50C-407E-A947-70E740481C1C}">
+                <a14:useLocalDpi xmlns:a14="http://schemas.microsoft.com/office/drawing/2010/main" val="0"/>
+              </a:ext>
+              <a:ext uri="{96DAC541-7B7A-43D3-8B79-37D633B846F1}">
+                <asvg:svgBlip xmlns:asvg="http://schemas.microsoft.com/office/drawing/2016/SVG/main" r:embed="rId3"/>
+              </a:ext>
+            </a:extLst>
+          </a:blip>
+          <a:stretch>
+            <a:fillRect/>
+          </a:stretch>
+        </p:blipFill>
+        <p:spPr>
+          <a:xfrm>
+            <a:off x="717550" y="2188130"/>
+            <a:ext cx="3841750" cy="1152525"/>
+          </a:xfrm>
+          <a:prstGeom prst="rect">
+            <a:avLst/>
+          </a:prstGeom>
+        </p:spPr>
+      </p:pic>
+      <p:sp>
+        <p:nvSpPr>
+          <p:cNvPr id="11" name="TextBox 10">
+            <a:extLst>
+              <a:ext uri="{FF2B5EF4-FFF2-40B4-BE49-F238E27FC236}">
+                <a16:creationId xmlns:a16="http://schemas.microsoft.com/office/drawing/2014/main" id="{F0AECC7E-C890-4D0B-973B-1F0C0CC6B1BE}"/>
+              </a:ext>
+            </a:extLst>
+          </p:cNvPr>
+          <p:cNvSpPr txBox="1"/>
+          <p:nvPr/>
+        </p:nvSpPr>
+        <p:spPr>
+          <a:xfrm>
+            <a:off x="599526" y="3669268"/>
+            <a:ext cx="3527973" cy="1200329"/>
+          </a:xfrm>
+          <a:prstGeom prst="rect">
+            <a:avLst/>
+          </a:prstGeom>
+          <a:noFill/>
+        </p:spPr>
+        <p:txBody>
+          <a:bodyPr wrap="square">
+            <a:spAutoFit/>
+          </a:bodyPr>
+          <a:lstStyle/>
+          <a:p>
+            <a:r>
+              <a:rPr lang="uk-UA" dirty="0"/>
+              <a:t>https://squoosh.app</a:t>
+            </a:r>
+            <a:br>
+              <a:rPr lang="en-US" dirty="0"/>
+            </a:br>
+            <a:br>
+              <a:rPr lang="en-US" dirty="0"/>
+            </a:br>
+            <a:r>
+              <a:rPr lang="en-US" dirty="0"/>
+              <a:t>https://github.com/GoogleChromeLabs/squoosh</a:t>
+            </a:r>
+            <a:endParaRPr lang="uk-UA" dirty="0"/>
+          </a:p>
+        </p:txBody>
+      </p:sp>
+      <p:pic>
+        <p:nvPicPr>
+          <p:cNvPr id="12" name="Picture 11">
+            <a:extLst>
+              <a:ext uri="{FF2B5EF4-FFF2-40B4-BE49-F238E27FC236}">
+                <a16:creationId xmlns:a16="http://schemas.microsoft.com/office/drawing/2014/main" id="{1D58B097-B6F4-4912-9616-BC5F40E58B01}"/>
+              </a:ext>
+            </a:extLst>
+          </p:cNvPr>
+          <p:cNvPicPr>
+            <a:picLocks noChangeAspect="1"/>
+          </p:cNvPicPr>
+          <p:nvPr/>
+        </p:nvPicPr>
+        <p:blipFill>
+          <a:blip r:embed="rId4">
+            <a:extLst>
+              <a:ext uri="{28A0092B-C50C-407E-A947-70E740481C1C}">
+                <a14:useLocalDpi xmlns:a14="http://schemas.microsoft.com/office/drawing/2010/main" val="0"/>
+              </a:ext>
+            </a:extLst>
+          </a:blip>
+          <a:stretch>
+            <a:fillRect/>
+          </a:stretch>
+        </p:blipFill>
+        <p:spPr>
+          <a:xfrm>
+            <a:off x="7632702" y="2221572"/>
+            <a:ext cx="3194050" cy="1119083"/>
+          </a:xfrm>
+          <a:prstGeom prst="rect">
+            <a:avLst/>
+          </a:prstGeom>
+        </p:spPr>
+      </p:pic>
+      <p:sp>
+        <p:nvSpPr>
+          <p:cNvPr id="16" name="TextBox 15">
+            <a:extLst>
+              <a:ext uri="{FF2B5EF4-FFF2-40B4-BE49-F238E27FC236}">
+                <a16:creationId xmlns:a16="http://schemas.microsoft.com/office/drawing/2014/main" id="{0044ABCA-08D1-4FE2-9531-5AED6A38BC00}"/>
+              </a:ext>
+            </a:extLst>
+          </p:cNvPr>
+          <p:cNvSpPr txBox="1"/>
+          <p:nvPr/>
+        </p:nvSpPr>
+        <p:spPr>
+          <a:xfrm>
+            <a:off x="8024815" y="3669268"/>
+            <a:ext cx="2801937" cy="646331"/>
+          </a:xfrm>
+          <a:prstGeom prst="rect">
+            <a:avLst/>
+          </a:prstGeom>
+          <a:noFill/>
+        </p:spPr>
+        <p:txBody>
+          <a:bodyPr wrap="square">
+            <a:spAutoFit/>
+          </a:bodyPr>
+          <a:lstStyle/>
+          <a:p>
+            <a:r>
+              <a:rPr lang="uk-UA" dirty="0"/>
+              <a:t>https://imageengine.io</a:t>
+            </a:r>
+            <a:endParaRPr lang="en-US" dirty="0"/>
+          </a:p>
+          <a:p>
+            <a:r>
+              <a:rPr lang="en-US" dirty="0"/>
+              <a:t>https://github.com/imgeng</a:t>
+            </a:r>
+            <a:endParaRPr lang="uk-UA" dirty="0"/>
+          </a:p>
+        </p:txBody>
+      </p:sp>
+      <p:pic>
+        <p:nvPicPr>
+          <p:cNvPr id="17" name="Picture 16">
+            <a:extLst>
+              <a:ext uri="{FF2B5EF4-FFF2-40B4-BE49-F238E27FC236}">
+                <a16:creationId xmlns:a16="http://schemas.microsoft.com/office/drawing/2014/main" id="{16A87B98-F9DE-493C-BFDA-BC93A006E561}"/>
+              </a:ext>
+            </a:extLst>
+          </p:cNvPr>
+          <p:cNvPicPr>
+            <a:picLocks noChangeAspect="1"/>
+          </p:cNvPicPr>
+          <p:nvPr/>
+        </p:nvPicPr>
+        <p:blipFill>
+          <a:blip r:embed="rId5">
+            <a:extLst>
+              <a:ext uri="{28A0092B-C50C-407E-A947-70E740481C1C}">
+                <a14:useLocalDpi xmlns:a14="http://schemas.microsoft.com/office/drawing/2010/main" val="0"/>
+              </a:ext>
+            </a:extLst>
+          </a:blip>
+          <a:stretch>
+            <a:fillRect/>
+          </a:stretch>
+        </p:blipFill>
+        <p:spPr>
+          <a:xfrm>
+            <a:off x="4919662" y="3669268"/>
+            <a:ext cx="1533525" cy="1533525"/>
+          </a:xfrm>
+          <a:prstGeom prst="rect">
+            <a:avLst/>
+          </a:prstGeom>
+        </p:spPr>
+      </p:pic>
+      <p:sp>
+        <p:nvSpPr>
+          <p:cNvPr id="19" name="TextBox 18">
+            <a:extLst>
+              <a:ext uri="{FF2B5EF4-FFF2-40B4-BE49-F238E27FC236}">
+                <a16:creationId xmlns:a16="http://schemas.microsoft.com/office/drawing/2014/main" id="{FD5BB9A1-E38A-45C6-97BA-4722CB982B7E}"/>
+              </a:ext>
+            </a:extLst>
+          </p:cNvPr>
+          <p:cNvSpPr txBox="1"/>
+          <p:nvPr/>
+        </p:nvSpPr>
+        <p:spPr>
+          <a:xfrm>
+            <a:off x="4019551" y="5371624"/>
+            <a:ext cx="3762375" cy="369332"/>
+          </a:xfrm>
+          <a:prstGeom prst="rect">
+            <a:avLst/>
+          </a:prstGeom>
+          <a:noFill/>
+        </p:spPr>
+        <p:txBody>
+          <a:bodyPr wrap="square">
+            <a:spAutoFit/>
+          </a:bodyPr>
+          <a:lstStyle/>
+          <a:p>
+            <a:r>
+              <a:rPr lang="uk-UA" dirty="0"/>
+              <a:t>https://github.com/SalOne22/rimage</a:t>
+            </a:r>
+          </a:p>
+        </p:txBody>
+      </p:sp>
+      <p:sp>
+        <p:nvSpPr>
+          <p:cNvPr id="9" name="TextBox 8">
+            <a:extLst>
+              <a:ext uri="{FF2B5EF4-FFF2-40B4-BE49-F238E27FC236}">
+                <a16:creationId xmlns:a16="http://schemas.microsoft.com/office/drawing/2014/main" id="{5267EC4F-763A-43CF-83BC-42A89218F2ED}"/>
+              </a:ext>
+            </a:extLst>
+          </p:cNvPr>
+          <p:cNvSpPr txBox="1"/>
+          <p:nvPr/>
+        </p:nvSpPr>
+        <p:spPr>
+          <a:xfrm>
+            <a:off x="11149781" y="6341806"/>
+            <a:ext cx="594021" cy="369332"/>
+          </a:xfrm>
+          <a:prstGeom prst="rect">
+            <a:avLst/>
+          </a:prstGeom>
+          <a:noFill/>
+        </p:spPr>
+        <p:txBody>
+          <a:bodyPr wrap="square" rtlCol="0">
+            <a:spAutoFit/>
+          </a:bodyPr>
+          <a:lstStyle/>
+          <a:p>
+            <a:fld id="{5BBD6B9B-B0DF-4DAF-8DCF-9B69419DEA99}" type="slidenum">
+              <a:rPr lang="uk-UA" smtClean="0"/>
+              <a:t>8</a:t>
+            </a:fld>
+            <a:endParaRPr lang="uk-UA" dirty="0"/>
           </a:p>
         </p:txBody>
       </p:sp>
     </p:spTree>
     <p:extLst>
       <p:ext uri="{BB962C8B-B14F-4D97-AF65-F5344CB8AC3E}">
-        <p14:creationId xmlns:p14="http://schemas.microsoft.com/office/powerpoint/2010/main" val="1534778757"/>
+        <p14:creationId xmlns:p14="http://schemas.microsoft.com/office/powerpoint/2010/main" val="4041434231"/>
+      </p:ext>
+    </p:extLst>
+  </p:cSld>
+  <p:clrMapOvr>
+    <a:masterClrMapping/>
+  </p:clrMapOvr>
+</p:sld>
+</file>
+
+<file path=ppt/slides/slide9.xml><?xml version="1.0" encoding="utf-8"?>
+<p:sld xmlns:a="http://schemas.openxmlformats.org/drawingml/2006/main" xmlns:r="http://schemas.openxmlformats.org/officeDocument/2006/relationships" xmlns:p="http://schemas.openxmlformats.org/presentationml/2006/main">
+  <p:cSld>
+    <p:bg>
+      <p:bgPr>
+        <a:solidFill>
+          <a:srgbClr val="F0F0F2"/>
+        </a:solidFill>
+        <a:effectLst/>
+      </p:bgPr>
+    </p:bg>
+    <p:spTree>
+      <p:nvGrpSpPr>
+        <p:cNvPr id="1" name=""/>
+        <p:cNvGrpSpPr/>
+        <p:nvPr/>
+      </p:nvGrpSpPr>
+      <p:grpSpPr>
+        <a:xfrm>
+          <a:off x="0" y="0"/>
+          <a:ext cx="0" cy="0"/>
+          <a:chOff x="0" y="0"/>
+          <a:chExt cx="0" cy="0"/>
+        </a:xfrm>
+      </p:grpSpPr>
+      <p:sp>
+        <p:nvSpPr>
+          <p:cNvPr id="5" name="Title 1">
+            <a:extLst>
+              <a:ext uri="{FF2B5EF4-FFF2-40B4-BE49-F238E27FC236}">
+                <a16:creationId xmlns:a16="http://schemas.microsoft.com/office/drawing/2014/main" id="{37AE4C8D-752C-408C-BE77-6ABBC7525BA0}"/>
+              </a:ext>
+            </a:extLst>
+          </p:cNvPr>
+          <p:cNvSpPr txBox="1">
+            <a:spLocks/>
+          </p:cNvSpPr>
+          <p:nvPr/>
+        </p:nvSpPr>
+        <p:spPr>
+          <a:xfrm>
+            <a:off x="599527" y="57771"/>
+            <a:ext cx="9535073" cy="1325563"/>
+          </a:xfrm>
+          <a:prstGeom prst="rect">
+            <a:avLst/>
+          </a:prstGeom>
+        </p:spPr>
+        <p:txBody>
+          <a:bodyPr vert="horz" lIns="91440" tIns="45720" rIns="91440" bIns="45720" rtlCol="0" anchor="ctr">
+            <a:normAutofit/>
+          </a:bodyPr>
+          <a:lstStyle>
+            <a:lvl1pPr algn="l" defTabSz="914400" rtl="0" eaLnBrk="1" latinLnBrk="0" hangingPunct="1">
+              <a:lnSpc>
+                <a:spcPct val="90000"/>
+              </a:lnSpc>
+              <a:spcBef>
+                <a:spcPct val="0"/>
+              </a:spcBef>
+              <a:buNone/>
+              <a:defRPr sz="4400" kern="1200">
+                <a:solidFill>
+                  <a:schemeClr val="tx1"/>
+                </a:solidFill>
+                <a:latin typeface="+mj-lt"/>
+                <a:ea typeface="+mj-ea"/>
+                <a:cs typeface="+mj-cs"/>
+              </a:defRPr>
+            </a:lvl1pPr>
+          </a:lstStyle>
+          <a:p>
+            <a:r>
+              <a:rPr lang="uk-UA" sz="5400" dirty="0">
+                <a:solidFill>
+                  <a:srgbClr val="4C7BA7"/>
+                </a:solidFill>
+              </a:rPr>
+              <a:t>Висновки</a:t>
+            </a:r>
+          </a:p>
+        </p:txBody>
+      </p:sp>
+      <p:sp>
+        <p:nvSpPr>
+          <p:cNvPr id="11" name="TextBox 10">
+            <a:extLst>
+              <a:ext uri="{FF2B5EF4-FFF2-40B4-BE49-F238E27FC236}">
+                <a16:creationId xmlns:a16="http://schemas.microsoft.com/office/drawing/2014/main" id="{93C887FD-390C-4404-9E76-E04CEF665538}"/>
+              </a:ext>
+            </a:extLst>
+          </p:cNvPr>
+          <p:cNvSpPr txBox="1"/>
+          <p:nvPr/>
+        </p:nvSpPr>
+        <p:spPr>
+          <a:xfrm>
+            <a:off x="932902" y="1946706"/>
+            <a:ext cx="9201698" cy="3693319"/>
+          </a:xfrm>
+          <a:prstGeom prst="rect">
+            <a:avLst/>
+          </a:prstGeom>
+          <a:noFill/>
+        </p:spPr>
+        <p:txBody>
+          <a:bodyPr wrap="square">
+            <a:spAutoFit/>
+          </a:bodyPr>
+          <a:lstStyle/>
+          <a:p>
+            <a:r>
+              <a:rPr lang="uk-UA" dirty="0"/>
+              <a:t>Формат </a:t>
+            </a:r>
+            <a:r>
+              <a:rPr lang="en-US" dirty="0"/>
+              <a:t>AVIF</a:t>
+            </a:r>
+            <a:r>
+              <a:rPr lang="uk-UA" dirty="0"/>
+              <a:t> є сучасним та потужним форматом для зберігання зображень і передачі їх через інтернет, який був створений на вимогу великих компаній</a:t>
+            </a:r>
+          </a:p>
+          <a:p>
+            <a:endParaRPr lang="uk-UA" dirty="0"/>
+          </a:p>
+          <a:p>
+            <a:r>
+              <a:rPr lang="uk-UA" dirty="0"/>
+              <a:t>З його використанням в середньому ми можемо зменшити розмір файлу зображення до 5-ти разів в порівнянні з </a:t>
+            </a:r>
+            <a:r>
+              <a:rPr lang="en-US" dirty="0"/>
+              <a:t>JPEG</a:t>
+            </a:r>
+            <a:r>
+              <a:rPr lang="uk-UA" dirty="0"/>
+              <a:t> та до трьох разів в порівнянні з </a:t>
+            </a:r>
+            <a:r>
+              <a:rPr lang="en-US" dirty="0"/>
+              <a:t>WEBP</a:t>
+            </a:r>
+            <a:r>
+              <a:rPr lang="uk-UA" dirty="0"/>
+              <a:t> без видимої, або з мінімальною втратою якості</a:t>
+            </a:r>
+          </a:p>
+          <a:p>
+            <a:endParaRPr lang="uk-UA" dirty="0"/>
+          </a:p>
+          <a:p>
+            <a:r>
+              <a:rPr lang="uk-UA" dirty="0"/>
+              <a:t>Це дозволяє нам робити </a:t>
+            </a:r>
+            <a:r>
+              <a:rPr lang="uk-UA" dirty="0" err="1"/>
+              <a:t>легковісні</a:t>
+            </a:r>
+            <a:r>
+              <a:rPr lang="uk-UA" dirty="0"/>
+              <a:t> програми, а при розробці </a:t>
+            </a:r>
+            <a:r>
+              <a:rPr lang="uk-UA" dirty="0" err="1"/>
+              <a:t>вебсайтів</a:t>
+            </a:r>
+            <a:r>
+              <a:rPr lang="uk-UA" dirty="0"/>
+              <a:t> дозволяє зекономити трафік, зробити кращим </a:t>
+            </a:r>
+            <a:r>
+              <a:rPr lang="en-US" dirty="0"/>
+              <a:t>SEO</a:t>
+            </a:r>
+            <a:r>
+              <a:rPr lang="uk-UA" dirty="0"/>
+              <a:t> за рахунок швидкого показу інформації користувачам</a:t>
+            </a:r>
+          </a:p>
+          <a:p>
+            <a:endParaRPr lang="uk-UA" dirty="0"/>
+          </a:p>
+          <a:p>
+            <a:r>
+              <a:rPr lang="en-US" dirty="0"/>
+              <a:t>AVIF</a:t>
+            </a:r>
+            <a:r>
+              <a:rPr lang="uk-UA" dirty="0"/>
+              <a:t> має свої недоліки, наприклад не ідеальну, але дуже гарну, якість та не ідеальну підтримку оскільки формат є дуже новим</a:t>
+            </a:r>
+          </a:p>
+        </p:txBody>
+      </p:sp>
+      <p:sp>
+        <p:nvSpPr>
+          <p:cNvPr id="12" name="TextBox 11">
+            <a:extLst>
+              <a:ext uri="{FF2B5EF4-FFF2-40B4-BE49-F238E27FC236}">
+                <a16:creationId xmlns:a16="http://schemas.microsoft.com/office/drawing/2014/main" id="{EDFDD11D-B63D-49E6-8AC0-ECD505A1F48C}"/>
+              </a:ext>
+            </a:extLst>
+          </p:cNvPr>
+          <p:cNvSpPr txBox="1"/>
+          <p:nvPr/>
+        </p:nvSpPr>
+        <p:spPr>
+          <a:xfrm>
+            <a:off x="11149781" y="6341806"/>
+            <a:ext cx="594021" cy="369332"/>
+          </a:xfrm>
+          <a:prstGeom prst="rect">
+            <a:avLst/>
+          </a:prstGeom>
+          <a:noFill/>
+        </p:spPr>
+        <p:txBody>
+          <a:bodyPr wrap="square" rtlCol="0">
+            <a:spAutoFit/>
+          </a:bodyPr>
+          <a:lstStyle/>
+          <a:p>
+            <a:fld id="{5BBD6B9B-B0DF-4DAF-8DCF-9B69419DEA99}" type="slidenum">
+              <a:rPr lang="uk-UA" smtClean="0"/>
+              <a:t>9</a:t>
+            </a:fld>
+            <a:endParaRPr lang="uk-UA" dirty="0"/>
+          </a:p>
+        </p:txBody>
+      </p:sp>
+    </p:spTree>
+    <p:extLst>
+      <p:ext uri="{BB962C8B-B14F-4D97-AF65-F5344CB8AC3E}">
+        <p14:creationId xmlns:p14="http://schemas.microsoft.com/office/powerpoint/2010/main" val="354423938"/>
       </p:ext>
     </p:extLst>
   </p:cSld>
